--- a/2015-01_Codemash/The Silver Lining.pptx
+++ b/2015-01_Codemash/The Silver Lining.pptx
@@ -3355,7 +3355,7 @@
           <a:p>
             <a:fld id="{2458A62A-C159-4525-A68C-800D11C5727B}" type="datetimeFigureOut">
               <a:rPr lang="en-US" smtClean="0"/>
-              <a:t>1/7/2015</a:t>
+              <a:t>1/8/2015</a:t>
             </a:fld>
             <a:endParaRPr lang="en-US"/>
           </a:p>
@@ -3671,7 +3671,11 @@
           </a:bodyPr>
           <a:lstStyle/>
           <a:p>
-            <a:endParaRPr lang="en-US" dirty="0"/>
+            <a:r>
+              <a:rPr lang="en-US" b="1" dirty="0" smtClean="0"/>
+              <a:t>2:15</a:t>
+            </a:r>
+            <a:endParaRPr lang="en-US" b="1" dirty="0"/>
           </a:p>
         </p:txBody>
       </p:sp>
@@ -3712,7 +3716,7 @@
             <a:fld id="{81331B57-0BE5-4F82-AA58-76F53EFF3ADA}" type="datetime8">
               <a:rPr lang="en-US" smtClean="0"/>
               <a:pPr/>
-              <a:t>1/7/2015 11:28 PM</a:t>
+              <a:t>1/8/2015 8:24 AM</a:t>
             </a:fld>
             <a:endParaRPr lang="en-US" dirty="0"/>
           </a:p>
@@ -3863,89 +3867,86 @@
           <a:bodyPr/>
           <a:lstStyle/>
           <a:p>
+            <a:pPr marL="0" indent="0">
+              <a:buFont typeface="Arial" panose="020B0604020202020204" pitchFamily="34" charset="0"/>
+              <a:buNone/>
+            </a:pPr>
+            <a:r>
+              <a:rPr lang="en-US" b="1" dirty="0" smtClean="0"/>
+              <a:t>29:00</a:t>
+            </a:r>
+          </a:p>
+          <a:p>
             <a:pPr marL="171450" indent="-171450">
               <a:buFont typeface="Arial" panose="020B0604020202020204" pitchFamily="34" charset="0"/>
               <a:buChar char="•"/>
             </a:pPr>
             <a:r>
               <a:rPr lang="en-US" dirty="0" smtClean="0"/>
-              <a:t>Isolation</a:t>
-            </a:r>
-          </a:p>
-          <a:p>
-            <a:pPr marL="628650" lvl="1" indent="-171450">
+              <a:t>W </a:t>
+            </a:r>
+            <a:r>
+              <a:rPr lang="en-US" dirty="0" smtClean="0"/>
+              <a:t>= Nodes Written</a:t>
+            </a:r>
+          </a:p>
+          <a:p>
+            <a:pPr marL="628650" marR="0" lvl="1" indent="-171450" algn="l" defTabSz="914400" rtl="0" eaLnBrk="1" fontAlgn="auto" latinLnBrk="0" hangingPunct="1">
+              <a:lnSpc>
+                <a:spcPct val="100000"/>
+              </a:lnSpc>
+              <a:spcBef>
+                <a:spcPts val="0"/>
+              </a:spcBef>
+              <a:spcAft>
+                <a:spcPts val="0"/>
+              </a:spcAft>
+              <a:buClrTx/>
+              <a:buSzTx/>
+              <a:buFont typeface="Arial" panose="020B0604020202020204" pitchFamily="34" charset="0"/>
+              <a:buChar char="•"/>
+              <a:tabLst/>
+              <a:defRPr/>
+            </a:pPr>
+            <a:r>
+              <a:rPr lang="en-US" baseline="0" dirty="0" smtClean="0"/>
+              <a:t>Quorum Versus Distributed Transactions</a:t>
+            </a:r>
+            <a:endParaRPr lang="en-US" dirty="0" smtClean="0"/>
+          </a:p>
+          <a:p>
+            <a:pPr marL="171450" indent="-171450">
               <a:buFont typeface="Arial" panose="020B0604020202020204" pitchFamily="34" charset="0"/>
               <a:buChar char="•"/>
             </a:pPr>
             <a:r>
               <a:rPr lang="en-US" dirty="0" smtClean="0"/>
-              <a:t>Read</a:t>
-            </a:r>
-            <a:r>
-              <a:rPr lang="en-US" baseline="0" dirty="0" smtClean="0"/>
-              <a:t> Committed</a:t>
-            </a:r>
-          </a:p>
-          <a:p>
-            <a:pPr marL="628650" lvl="1" indent="-171450">
+              <a:t>R = Nodes Read</a:t>
+            </a:r>
+          </a:p>
+          <a:p>
+            <a:pPr marL="171450" indent="-171450">
               <a:buFont typeface="Arial" panose="020B0604020202020204" pitchFamily="34" charset="0"/>
               <a:buChar char="•"/>
             </a:pPr>
             <a:r>
+              <a:rPr lang="en-US" dirty="0" smtClean="0"/>
+              <a:t>N</a:t>
+            </a:r>
+            <a:r>
               <a:rPr lang="en-US" baseline="0" dirty="0" smtClean="0"/>
-              <a:t>Read Uncommitted</a:t>
-            </a:r>
-          </a:p>
-          <a:p>
-            <a:pPr marL="628650" lvl="1" indent="-171450">
+              <a:t> = Total Nodes</a:t>
+            </a:r>
+          </a:p>
+          <a:p>
+            <a:pPr marL="171450" indent="-171450">
               <a:buFont typeface="Arial" panose="020B0604020202020204" pitchFamily="34" charset="0"/>
               <a:buChar char="•"/>
             </a:pPr>
             <a:r>
               <a:rPr lang="en-US" baseline="0" dirty="0" smtClean="0"/>
-              <a:t>Repeatable Read</a:t>
-            </a:r>
-          </a:p>
-          <a:p>
-            <a:pPr marL="628650" lvl="1" indent="-171450">
-              <a:buFont typeface="Arial" panose="020B0604020202020204" pitchFamily="34" charset="0"/>
-              <a:buChar char="•"/>
-            </a:pPr>
-            <a:r>
-              <a:rPr lang="en-US" baseline="0" dirty="0" smtClean="0"/>
-              <a:t>Serializable</a:t>
-            </a:r>
-          </a:p>
-          <a:p>
-            <a:pPr marL="171450" lvl="0" indent="-171450">
-              <a:buFont typeface="Arial" panose="020B0604020202020204" pitchFamily="34" charset="0"/>
-              <a:buChar char="•"/>
-            </a:pPr>
-            <a:r>
-              <a:rPr lang="en-US" dirty="0" smtClean="0"/>
-              <a:t>Distributed</a:t>
-            </a:r>
-            <a:r>
-              <a:rPr lang="en-US" baseline="0" dirty="0" smtClean="0"/>
-              <a:t> Transactions</a:t>
-            </a:r>
-          </a:p>
-          <a:p>
-            <a:pPr marL="628650" lvl="1" indent="-171450">
-              <a:buFont typeface="Arial" panose="020B0604020202020204" pitchFamily="34" charset="0"/>
-              <a:buChar char="•"/>
-            </a:pPr>
-            <a:r>
-              <a:rPr lang="en-US" baseline="0" dirty="0" smtClean="0"/>
-              <a:t>Two-Phase Commit are virtually impossible in distributed systems, requiring locks on all nodes (serializable isolation)</a:t>
-            </a:r>
-          </a:p>
-          <a:p>
-            <a:pPr marL="171450" lvl="0" indent="-171450">
-              <a:buFont typeface="Arial" panose="020B0604020202020204" pitchFamily="34" charset="0"/>
-              <a:buChar char="•"/>
-            </a:pPr>
-            <a:endParaRPr lang="en-US" dirty="0"/>
+              <a:t>Strong Consistency Models Require disproportionate amounts of hardware as they scale out</a:t>
+            </a:r>
           </a:p>
         </p:txBody>
       </p:sp>
@@ -3966,7 +3967,7 @@
           <a:p>
             <a:fld id="{1026F2E3-6869-4298-BCFD-E8D5A5A8C4FA}" type="slidenum">
               <a:rPr lang="en-US" smtClean="0"/>
-              <a:t>24</a:t>
+              <a:t>10</a:t>
             </a:fld>
             <a:endParaRPr lang="en-US"/>
           </a:p>
@@ -3975,7 +3976,910 @@
     </p:spTree>
     <p:extLst>
       <p:ext uri="{BB962C8B-B14F-4D97-AF65-F5344CB8AC3E}">
-        <p14:creationId xmlns:p14="http://schemas.microsoft.com/office/powerpoint/2010/main" val="815805433"/>
+        <p14:creationId xmlns:p14="http://schemas.microsoft.com/office/powerpoint/2010/main" val="2022738444"/>
+      </p:ext>
+    </p:extLst>
+  </p:cSld>
+  <p:clrMapOvr>
+    <a:masterClrMapping/>
+  </p:clrMapOvr>
+</p:notes>
+</file>
+
+<file path=ppt/notesSlides/notesSlide11.xml><?xml version="1.0" encoding="utf-8"?>
+<p:notes xmlns:a="http://schemas.openxmlformats.org/drawingml/2006/main" xmlns:r="http://schemas.openxmlformats.org/officeDocument/2006/relationships" xmlns:p="http://schemas.openxmlformats.org/presentationml/2006/main">
+  <p:cSld>
+    <p:spTree>
+      <p:nvGrpSpPr>
+        <p:cNvPr id="1" name=""/>
+        <p:cNvGrpSpPr/>
+        <p:nvPr/>
+      </p:nvGrpSpPr>
+      <p:grpSpPr>
+        <a:xfrm>
+          <a:off x="0" y="0"/>
+          <a:ext cx="0" cy="0"/>
+          <a:chOff x="0" y="0"/>
+          <a:chExt cx="0" cy="0"/>
+        </a:xfrm>
+      </p:grpSpPr>
+      <p:sp>
+        <p:nvSpPr>
+          <p:cNvPr id="2" name="Slide Image Placeholder 1"/>
+          <p:cNvSpPr>
+            <a:spLocks noGrp="1" noRot="1" noChangeAspect="1"/>
+          </p:cNvSpPr>
+          <p:nvPr>
+            <p:ph type="sldImg"/>
+          </p:nvPr>
+        </p:nvSpPr>
+        <p:spPr/>
+      </p:sp>
+      <p:sp>
+        <p:nvSpPr>
+          <p:cNvPr id="3" name="Notes Placeholder 2"/>
+          <p:cNvSpPr>
+            <a:spLocks noGrp="1"/>
+          </p:cNvSpPr>
+          <p:nvPr>
+            <p:ph type="body" idx="1"/>
+          </p:nvPr>
+        </p:nvSpPr>
+        <p:spPr/>
+        <p:txBody>
+          <a:bodyPr/>
+          <a:lstStyle/>
+          <a:p>
+            <a:r>
+              <a:rPr lang="en-US" b="1" dirty="0" smtClean="0"/>
+              <a:t>30:00</a:t>
+            </a:r>
+            <a:endParaRPr lang="en-US" b="0" dirty="0" smtClean="0"/>
+          </a:p>
+          <a:p>
+            <a:pPr marL="171450" indent="-171450">
+              <a:buFont typeface="Arial" panose="020B0604020202020204" pitchFamily="34" charset="0"/>
+              <a:buChar char="•"/>
+            </a:pPr>
+            <a:r>
+              <a:rPr lang="en-US" b="0" baseline="0" dirty="0" smtClean="0"/>
+              <a:t>Vendor technologies mitigate these formulas somewhat</a:t>
+            </a:r>
+          </a:p>
+          <a:p>
+            <a:pPr marL="171450" indent="-171450">
+              <a:buFont typeface="Arial" panose="020B0604020202020204" pitchFamily="34" charset="0"/>
+              <a:buChar char="•"/>
+            </a:pPr>
+            <a:r>
+              <a:rPr lang="en-US" b="0" dirty="0" smtClean="0"/>
+              <a:t>All other vendor provided</a:t>
+            </a:r>
+            <a:r>
+              <a:rPr lang="en-US" b="0" baseline="0" dirty="0" smtClean="0"/>
+              <a:t> technologies aside</a:t>
+            </a:r>
+            <a:endParaRPr lang="en-US" b="1" dirty="0"/>
+          </a:p>
+        </p:txBody>
+      </p:sp>
+      <p:sp>
+        <p:nvSpPr>
+          <p:cNvPr id="4" name="Slide Number Placeholder 3"/>
+          <p:cNvSpPr>
+            <a:spLocks noGrp="1"/>
+          </p:cNvSpPr>
+          <p:nvPr>
+            <p:ph type="sldNum" sz="quarter" idx="10"/>
+          </p:nvPr>
+        </p:nvSpPr>
+        <p:spPr/>
+        <p:txBody>
+          <a:bodyPr/>
+          <a:lstStyle/>
+          <a:p>
+            <a:fld id="{1026F2E3-6869-4298-BCFD-E8D5A5A8C4FA}" type="slidenum">
+              <a:rPr lang="en-US" smtClean="0"/>
+              <a:t>11</a:t>
+            </a:fld>
+            <a:endParaRPr lang="en-US"/>
+          </a:p>
+        </p:txBody>
+      </p:sp>
+    </p:spTree>
+    <p:extLst>
+      <p:ext uri="{BB962C8B-B14F-4D97-AF65-F5344CB8AC3E}">
+        <p14:creationId xmlns:p14="http://schemas.microsoft.com/office/powerpoint/2010/main" val="4116551179"/>
+      </p:ext>
+    </p:extLst>
+  </p:cSld>
+  <p:clrMapOvr>
+    <a:masterClrMapping/>
+  </p:clrMapOvr>
+</p:notes>
+</file>
+
+<file path=ppt/notesSlides/notesSlide12.xml><?xml version="1.0" encoding="utf-8"?>
+<p:notes xmlns:a="http://schemas.openxmlformats.org/drawingml/2006/main" xmlns:r="http://schemas.openxmlformats.org/officeDocument/2006/relationships" xmlns:p="http://schemas.openxmlformats.org/presentationml/2006/main">
+  <p:cSld>
+    <p:spTree>
+      <p:nvGrpSpPr>
+        <p:cNvPr id="1" name=""/>
+        <p:cNvGrpSpPr/>
+        <p:nvPr/>
+      </p:nvGrpSpPr>
+      <p:grpSpPr>
+        <a:xfrm>
+          <a:off x="0" y="0"/>
+          <a:ext cx="0" cy="0"/>
+          <a:chOff x="0" y="0"/>
+          <a:chExt cx="0" cy="0"/>
+        </a:xfrm>
+      </p:grpSpPr>
+      <p:sp>
+        <p:nvSpPr>
+          <p:cNvPr id="2" name="Slide Image Placeholder 1"/>
+          <p:cNvSpPr>
+            <a:spLocks noGrp="1" noRot="1" noChangeAspect="1"/>
+          </p:cNvSpPr>
+          <p:nvPr>
+            <p:ph type="sldImg"/>
+          </p:nvPr>
+        </p:nvSpPr>
+        <p:spPr/>
+      </p:sp>
+      <p:sp>
+        <p:nvSpPr>
+          <p:cNvPr id="3" name="Notes Placeholder 2"/>
+          <p:cNvSpPr>
+            <a:spLocks noGrp="1"/>
+          </p:cNvSpPr>
+          <p:nvPr>
+            <p:ph type="body" idx="1"/>
+          </p:nvPr>
+        </p:nvSpPr>
+        <p:spPr/>
+        <p:txBody>
+          <a:bodyPr/>
+          <a:lstStyle/>
+          <a:p>
+            <a:r>
+              <a:rPr lang="en-US" b="1" dirty="0" smtClean="0"/>
+              <a:t>30:30</a:t>
+            </a:r>
+          </a:p>
+        </p:txBody>
+      </p:sp>
+      <p:sp>
+        <p:nvSpPr>
+          <p:cNvPr id="4" name="Slide Number Placeholder 3"/>
+          <p:cNvSpPr>
+            <a:spLocks noGrp="1"/>
+          </p:cNvSpPr>
+          <p:nvPr>
+            <p:ph type="sldNum" sz="quarter" idx="10"/>
+          </p:nvPr>
+        </p:nvSpPr>
+        <p:spPr/>
+        <p:txBody>
+          <a:bodyPr/>
+          <a:lstStyle/>
+          <a:p>
+            <a:fld id="{1026F2E3-6869-4298-BCFD-E8D5A5A8C4FA}" type="slidenum">
+              <a:rPr lang="en-US" smtClean="0"/>
+              <a:t>12</a:t>
+            </a:fld>
+            <a:endParaRPr lang="en-US"/>
+          </a:p>
+        </p:txBody>
+      </p:sp>
+    </p:spTree>
+    <p:extLst>
+      <p:ext uri="{BB962C8B-B14F-4D97-AF65-F5344CB8AC3E}">
+        <p14:creationId xmlns:p14="http://schemas.microsoft.com/office/powerpoint/2010/main" val="867137431"/>
+      </p:ext>
+    </p:extLst>
+  </p:cSld>
+  <p:clrMapOvr>
+    <a:masterClrMapping/>
+  </p:clrMapOvr>
+</p:notes>
+</file>
+
+<file path=ppt/notesSlides/notesSlide13.xml><?xml version="1.0" encoding="utf-8"?>
+<p:notes xmlns:a="http://schemas.openxmlformats.org/drawingml/2006/main" xmlns:r="http://schemas.openxmlformats.org/officeDocument/2006/relationships" xmlns:p="http://schemas.openxmlformats.org/presentationml/2006/main">
+  <p:cSld>
+    <p:spTree>
+      <p:nvGrpSpPr>
+        <p:cNvPr id="1" name=""/>
+        <p:cNvGrpSpPr/>
+        <p:nvPr/>
+      </p:nvGrpSpPr>
+      <p:grpSpPr>
+        <a:xfrm>
+          <a:off x="0" y="0"/>
+          <a:ext cx="0" cy="0"/>
+          <a:chOff x="0" y="0"/>
+          <a:chExt cx="0" cy="0"/>
+        </a:xfrm>
+      </p:grpSpPr>
+      <p:sp>
+        <p:nvSpPr>
+          <p:cNvPr id="2" name="Slide Image Placeholder 1"/>
+          <p:cNvSpPr>
+            <a:spLocks noGrp="1" noRot="1" noChangeAspect="1"/>
+          </p:cNvSpPr>
+          <p:nvPr>
+            <p:ph type="sldImg"/>
+          </p:nvPr>
+        </p:nvSpPr>
+        <p:spPr/>
+      </p:sp>
+      <p:sp>
+        <p:nvSpPr>
+          <p:cNvPr id="3" name="Notes Placeholder 2"/>
+          <p:cNvSpPr>
+            <a:spLocks noGrp="1"/>
+          </p:cNvSpPr>
+          <p:nvPr>
+            <p:ph type="body" idx="1"/>
+          </p:nvPr>
+        </p:nvSpPr>
+        <p:spPr/>
+        <p:txBody>
+          <a:bodyPr/>
+          <a:lstStyle/>
+          <a:p>
+            <a:r>
+              <a:rPr lang="en-US" b="1" dirty="0" smtClean="0"/>
+              <a:t>32:00</a:t>
+            </a:r>
+          </a:p>
+        </p:txBody>
+      </p:sp>
+      <p:sp>
+        <p:nvSpPr>
+          <p:cNvPr id="4" name="Slide Number Placeholder 3"/>
+          <p:cNvSpPr>
+            <a:spLocks noGrp="1"/>
+          </p:cNvSpPr>
+          <p:nvPr>
+            <p:ph type="sldNum" sz="quarter" idx="10"/>
+          </p:nvPr>
+        </p:nvSpPr>
+        <p:spPr/>
+        <p:txBody>
+          <a:bodyPr/>
+          <a:lstStyle/>
+          <a:p>
+            <a:fld id="{1026F2E3-6869-4298-BCFD-E8D5A5A8C4FA}" type="slidenum">
+              <a:rPr lang="en-US" smtClean="0"/>
+              <a:t>13</a:t>
+            </a:fld>
+            <a:endParaRPr lang="en-US"/>
+          </a:p>
+        </p:txBody>
+      </p:sp>
+    </p:spTree>
+    <p:extLst>
+      <p:ext uri="{BB962C8B-B14F-4D97-AF65-F5344CB8AC3E}">
+        <p14:creationId xmlns:p14="http://schemas.microsoft.com/office/powerpoint/2010/main" val="1934091073"/>
+      </p:ext>
+    </p:extLst>
+  </p:cSld>
+  <p:clrMapOvr>
+    <a:masterClrMapping/>
+  </p:clrMapOvr>
+</p:notes>
+</file>
+
+<file path=ppt/notesSlides/notesSlide14.xml><?xml version="1.0" encoding="utf-8"?>
+<p:notes xmlns:a="http://schemas.openxmlformats.org/drawingml/2006/main" xmlns:r="http://schemas.openxmlformats.org/officeDocument/2006/relationships" xmlns:p="http://schemas.openxmlformats.org/presentationml/2006/main">
+  <p:cSld>
+    <p:spTree>
+      <p:nvGrpSpPr>
+        <p:cNvPr id="1" name=""/>
+        <p:cNvGrpSpPr/>
+        <p:nvPr/>
+      </p:nvGrpSpPr>
+      <p:grpSpPr>
+        <a:xfrm>
+          <a:off x="0" y="0"/>
+          <a:ext cx="0" cy="0"/>
+          <a:chOff x="0" y="0"/>
+          <a:chExt cx="0" cy="0"/>
+        </a:xfrm>
+      </p:grpSpPr>
+      <p:sp>
+        <p:nvSpPr>
+          <p:cNvPr id="2" name="Slide Image Placeholder 1"/>
+          <p:cNvSpPr>
+            <a:spLocks noGrp="1" noRot="1" noChangeAspect="1"/>
+          </p:cNvSpPr>
+          <p:nvPr>
+            <p:ph type="sldImg"/>
+          </p:nvPr>
+        </p:nvSpPr>
+        <p:spPr/>
+      </p:sp>
+      <p:sp>
+        <p:nvSpPr>
+          <p:cNvPr id="3" name="Notes Placeholder 2"/>
+          <p:cNvSpPr>
+            <a:spLocks noGrp="1"/>
+          </p:cNvSpPr>
+          <p:nvPr>
+            <p:ph type="body" idx="1"/>
+          </p:nvPr>
+        </p:nvSpPr>
+        <p:spPr/>
+        <p:txBody>
+          <a:bodyPr/>
+          <a:lstStyle/>
+          <a:p>
+            <a:r>
+              <a:rPr lang="en-US" b="1" dirty="0" smtClean="0"/>
+              <a:t>33:00</a:t>
+            </a:r>
+          </a:p>
+        </p:txBody>
+      </p:sp>
+      <p:sp>
+        <p:nvSpPr>
+          <p:cNvPr id="4" name="Slide Number Placeholder 3"/>
+          <p:cNvSpPr>
+            <a:spLocks noGrp="1"/>
+          </p:cNvSpPr>
+          <p:nvPr>
+            <p:ph type="sldNum" sz="quarter" idx="10"/>
+          </p:nvPr>
+        </p:nvSpPr>
+        <p:spPr/>
+        <p:txBody>
+          <a:bodyPr/>
+          <a:lstStyle/>
+          <a:p>
+            <a:fld id="{1026F2E3-6869-4298-BCFD-E8D5A5A8C4FA}" type="slidenum">
+              <a:rPr lang="en-US" smtClean="0"/>
+              <a:t>14</a:t>
+            </a:fld>
+            <a:endParaRPr lang="en-US"/>
+          </a:p>
+        </p:txBody>
+      </p:sp>
+    </p:spTree>
+    <p:extLst>
+      <p:ext uri="{BB962C8B-B14F-4D97-AF65-F5344CB8AC3E}">
+        <p14:creationId xmlns:p14="http://schemas.microsoft.com/office/powerpoint/2010/main" val="1674299356"/>
+      </p:ext>
+    </p:extLst>
+  </p:cSld>
+  <p:clrMapOvr>
+    <a:masterClrMapping/>
+  </p:clrMapOvr>
+</p:notes>
+</file>
+
+<file path=ppt/notesSlides/notesSlide15.xml><?xml version="1.0" encoding="utf-8"?>
+<p:notes xmlns:a="http://schemas.openxmlformats.org/drawingml/2006/main" xmlns:r="http://schemas.openxmlformats.org/officeDocument/2006/relationships" xmlns:p="http://schemas.openxmlformats.org/presentationml/2006/main">
+  <p:cSld>
+    <p:spTree>
+      <p:nvGrpSpPr>
+        <p:cNvPr id="1" name=""/>
+        <p:cNvGrpSpPr/>
+        <p:nvPr/>
+      </p:nvGrpSpPr>
+      <p:grpSpPr>
+        <a:xfrm>
+          <a:off x="0" y="0"/>
+          <a:ext cx="0" cy="0"/>
+          <a:chOff x="0" y="0"/>
+          <a:chExt cx="0" cy="0"/>
+        </a:xfrm>
+      </p:grpSpPr>
+      <p:sp>
+        <p:nvSpPr>
+          <p:cNvPr id="2" name="Slide Image Placeholder 1"/>
+          <p:cNvSpPr>
+            <a:spLocks noGrp="1" noRot="1" noChangeAspect="1"/>
+          </p:cNvSpPr>
+          <p:nvPr>
+            <p:ph type="sldImg"/>
+          </p:nvPr>
+        </p:nvSpPr>
+        <p:spPr/>
+      </p:sp>
+      <p:sp>
+        <p:nvSpPr>
+          <p:cNvPr id="3" name="Notes Placeholder 2"/>
+          <p:cNvSpPr>
+            <a:spLocks noGrp="1"/>
+          </p:cNvSpPr>
+          <p:nvPr>
+            <p:ph type="body" idx="1"/>
+          </p:nvPr>
+        </p:nvSpPr>
+        <p:spPr/>
+        <p:txBody>
+          <a:bodyPr/>
+          <a:lstStyle/>
+          <a:p>
+            <a:r>
+              <a:rPr lang="en-US" b="1" dirty="0" smtClean="0"/>
+              <a:t>34:30</a:t>
+            </a:r>
+            <a:endParaRPr lang="en-US" b="1" dirty="0"/>
+          </a:p>
+        </p:txBody>
+      </p:sp>
+      <p:sp>
+        <p:nvSpPr>
+          <p:cNvPr id="4" name="Slide Number Placeholder 3"/>
+          <p:cNvSpPr>
+            <a:spLocks noGrp="1"/>
+          </p:cNvSpPr>
+          <p:nvPr>
+            <p:ph type="sldNum" sz="quarter" idx="10"/>
+          </p:nvPr>
+        </p:nvSpPr>
+        <p:spPr/>
+        <p:txBody>
+          <a:bodyPr/>
+          <a:lstStyle/>
+          <a:p>
+            <a:fld id="{1026F2E3-6869-4298-BCFD-E8D5A5A8C4FA}" type="slidenum">
+              <a:rPr lang="en-US" smtClean="0"/>
+              <a:t>15</a:t>
+            </a:fld>
+            <a:endParaRPr lang="en-US"/>
+          </a:p>
+        </p:txBody>
+      </p:sp>
+    </p:spTree>
+    <p:extLst>
+      <p:ext uri="{BB962C8B-B14F-4D97-AF65-F5344CB8AC3E}">
+        <p14:creationId xmlns:p14="http://schemas.microsoft.com/office/powerpoint/2010/main" val="1361712604"/>
+      </p:ext>
+    </p:extLst>
+  </p:cSld>
+  <p:clrMapOvr>
+    <a:masterClrMapping/>
+  </p:clrMapOvr>
+</p:notes>
+</file>
+
+<file path=ppt/notesSlides/notesSlide16.xml><?xml version="1.0" encoding="utf-8"?>
+<p:notes xmlns:a="http://schemas.openxmlformats.org/drawingml/2006/main" xmlns:r="http://schemas.openxmlformats.org/officeDocument/2006/relationships" xmlns:p="http://schemas.openxmlformats.org/presentationml/2006/main">
+  <p:cSld>
+    <p:spTree>
+      <p:nvGrpSpPr>
+        <p:cNvPr id="1" name=""/>
+        <p:cNvGrpSpPr/>
+        <p:nvPr/>
+      </p:nvGrpSpPr>
+      <p:grpSpPr>
+        <a:xfrm>
+          <a:off x="0" y="0"/>
+          <a:ext cx="0" cy="0"/>
+          <a:chOff x="0" y="0"/>
+          <a:chExt cx="0" cy="0"/>
+        </a:xfrm>
+      </p:grpSpPr>
+      <p:sp>
+        <p:nvSpPr>
+          <p:cNvPr id="2" name="Slide Image Placeholder 1"/>
+          <p:cNvSpPr>
+            <a:spLocks noGrp="1" noRot="1" noChangeAspect="1"/>
+          </p:cNvSpPr>
+          <p:nvPr>
+            <p:ph type="sldImg"/>
+          </p:nvPr>
+        </p:nvSpPr>
+        <p:spPr/>
+      </p:sp>
+      <p:sp>
+        <p:nvSpPr>
+          <p:cNvPr id="3" name="Notes Placeholder 2"/>
+          <p:cNvSpPr>
+            <a:spLocks noGrp="1"/>
+          </p:cNvSpPr>
+          <p:nvPr>
+            <p:ph type="body" idx="1"/>
+          </p:nvPr>
+        </p:nvSpPr>
+        <p:spPr/>
+        <p:txBody>
+          <a:bodyPr/>
+          <a:lstStyle/>
+          <a:p>
+            <a:r>
+              <a:rPr lang="en-US" b="1" dirty="0" smtClean="0"/>
+              <a:t>35:15</a:t>
+            </a:r>
+            <a:endParaRPr lang="en-US" b="1" dirty="0"/>
+          </a:p>
+        </p:txBody>
+      </p:sp>
+      <p:sp>
+        <p:nvSpPr>
+          <p:cNvPr id="4" name="Slide Number Placeholder 3"/>
+          <p:cNvSpPr>
+            <a:spLocks noGrp="1"/>
+          </p:cNvSpPr>
+          <p:nvPr>
+            <p:ph type="sldNum" sz="quarter" idx="10"/>
+          </p:nvPr>
+        </p:nvSpPr>
+        <p:spPr/>
+        <p:txBody>
+          <a:bodyPr/>
+          <a:lstStyle/>
+          <a:p>
+            <a:fld id="{1026F2E3-6869-4298-BCFD-E8D5A5A8C4FA}" type="slidenum">
+              <a:rPr lang="en-US" smtClean="0"/>
+              <a:t>16</a:t>
+            </a:fld>
+            <a:endParaRPr lang="en-US"/>
+          </a:p>
+        </p:txBody>
+      </p:sp>
+    </p:spTree>
+    <p:extLst>
+      <p:ext uri="{BB962C8B-B14F-4D97-AF65-F5344CB8AC3E}">
+        <p14:creationId xmlns:p14="http://schemas.microsoft.com/office/powerpoint/2010/main" val="1335444784"/>
+      </p:ext>
+    </p:extLst>
+  </p:cSld>
+  <p:clrMapOvr>
+    <a:masterClrMapping/>
+  </p:clrMapOvr>
+</p:notes>
+</file>
+
+<file path=ppt/notesSlides/notesSlide17.xml><?xml version="1.0" encoding="utf-8"?>
+<p:notes xmlns:a="http://schemas.openxmlformats.org/drawingml/2006/main" xmlns:r="http://schemas.openxmlformats.org/officeDocument/2006/relationships" xmlns:p="http://schemas.openxmlformats.org/presentationml/2006/main">
+  <p:cSld>
+    <p:spTree>
+      <p:nvGrpSpPr>
+        <p:cNvPr id="1" name=""/>
+        <p:cNvGrpSpPr/>
+        <p:nvPr/>
+      </p:nvGrpSpPr>
+      <p:grpSpPr>
+        <a:xfrm>
+          <a:off x="0" y="0"/>
+          <a:ext cx="0" cy="0"/>
+          <a:chOff x="0" y="0"/>
+          <a:chExt cx="0" cy="0"/>
+        </a:xfrm>
+      </p:grpSpPr>
+      <p:sp>
+        <p:nvSpPr>
+          <p:cNvPr id="2" name="Slide Image Placeholder 1"/>
+          <p:cNvSpPr>
+            <a:spLocks noGrp="1" noRot="1" noChangeAspect="1"/>
+          </p:cNvSpPr>
+          <p:nvPr>
+            <p:ph type="sldImg"/>
+          </p:nvPr>
+        </p:nvSpPr>
+        <p:spPr/>
+      </p:sp>
+      <p:sp>
+        <p:nvSpPr>
+          <p:cNvPr id="3" name="Notes Placeholder 2"/>
+          <p:cNvSpPr>
+            <a:spLocks noGrp="1"/>
+          </p:cNvSpPr>
+          <p:nvPr>
+            <p:ph type="body" idx="1"/>
+          </p:nvPr>
+        </p:nvSpPr>
+        <p:spPr/>
+        <p:txBody>
+          <a:bodyPr/>
+          <a:lstStyle/>
+          <a:p>
+            <a:pPr marL="0" indent="0">
+              <a:buFont typeface="Arial" panose="020B0604020202020204" pitchFamily="34" charset="0"/>
+              <a:buNone/>
+            </a:pPr>
+            <a:r>
+              <a:rPr lang="en-US" sz="1200" b="1" i="0" kern="1200" dirty="0" smtClean="0">
+                <a:solidFill>
+                  <a:schemeClr val="tx1"/>
+                </a:solidFill>
+                <a:effectLst/>
+                <a:latin typeface="+mn-lt"/>
+                <a:ea typeface="+mn-ea"/>
+                <a:cs typeface="+mn-cs"/>
+              </a:rPr>
+              <a:t>36:30</a:t>
+            </a:r>
+          </a:p>
+          <a:p>
+            <a:pPr marL="171450" indent="-171450">
+              <a:buFont typeface="Arial" panose="020B0604020202020204" pitchFamily="34" charset="0"/>
+              <a:buChar char="•"/>
+            </a:pPr>
+            <a:r>
+              <a:rPr lang="en-US" sz="1200" b="0" i="0" kern="1200" dirty="0" smtClean="0">
+                <a:solidFill>
+                  <a:schemeClr val="tx1"/>
+                </a:solidFill>
+                <a:effectLst/>
+                <a:latin typeface="+mn-lt"/>
+                <a:ea typeface="+mn-ea"/>
+                <a:cs typeface="+mn-cs"/>
+              </a:rPr>
+              <a:t>Strong </a:t>
+            </a:r>
+            <a:r>
+              <a:rPr lang="en-US" sz="1200" b="0" i="0" kern="1200" dirty="0" smtClean="0">
+                <a:solidFill>
+                  <a:schemeClr val="tx1"/>
+                </a:solidFill>
+                <a:effectLst/>
+                <a:latin typeface="+mn-lt"/>
+                <a:ea typeface="+mn-ea"/>
+                <a:cs typeface="+mn-cs"/>
+              </a:rPr>
+              <a:t>Consistency: After an update, any subsequent access on any node will return the same value</a:t>
+            </a:r>
+          </a:p>
+          <a:p>
+            <a:pPr marL="171450" indent="-171450">
+              <a:buFont typeface="Arial" panose="020B0604020202020204" pitchFamily="34" charset="0"/>
+              <a:buChar char="•"/>
+            </a:pPr>
+            <a:r>
+              <a:rPr lang="en-US" sz="1200" b="0" i="0" kern="1200" dirty="0" smtClean="0">
+                <a:solidFill>
+                  <a:schemeClr val="tx1"/>
+                </a:solidFill>
+                <a:effectLst/>
+                <a:latin typeface="+mn-lt"/>
+                <a:ea typeface="+mn-ea"/>
+                <a:cs typeface="+mn-cs"/>
+              </a:rPr>
+              <a:t>Weak Consistency: Consistency can only be achieved after certain conditions are met (time or other events)</a:t>
+            </a:r>
+          </a:p>
+          <a:p>
+            <a:pPr marL="171450" indent="-171450">
+              <a:buFont typeface="Arial" panose="020B0604020202020204" pitchFamily="34" charset="0"/>
+              <a:buChar char="•"/>
+            </a:pPr>
+            <a:r>
+              <a:rPr lang="en-US" sz="1200" b="0" i="0" kern="1200" dirty="0" smtClean="0">
+                <a:solidFill>
+                  <a:schemeClr val="tx1"/>
+                </a:solidFill>
+                <a:effectLst/>
+                <a:latin typeface="+mn-lt"/>
+                <a:ea typeface="+mn-ea"/>
+                <a:cs typeface="+mn-cs"/>
+              </a:rPr>
+              <a:t>Eventual Consistency: Guarantees that if nothing else changes except time, consistency will eventually be achieved</a:t>
+            </a:r>
+          </a:p>
+          <a:p>
+            <a:endParaRPr lang="en-US" dirty="0" smtClean="0"/>
+          </a:p>
+          <a:p>
+            <a:r>
+              <a:rPr lang="en-US" u="sng" dirty="0" smtClean="0"/>
+              <a:t>Consistency models are not mutually exclusive</a:t>
+            </a:r>
+            <a:endParaRPr lang="en-US" u="sng" dirty="0"/>
+          </a:p>
+        </p:txBody>
+      </p:sp>
+      <p:sp>
+        <p:nvSpPr>
+          <p:cNvPr id="4" name="Slide Number Placeholder 3"/>
+          <p:cNvSpPr>
+            <a:spLocks noGrp="1"/>
+          </p:cNvSpPr>
+          <p:nvPr>
+            <p:ph type="sldNum" sz="quarter" idx="10"/>
+          </p:nvPr>
+        </p:nvSpPr>
+        <p:spPr/>
+        <p:txBody>
+          <a:bodyPr/>
+          <a:lstStyle/>
+          <a:p>
+            <a:fld id="{1026F2E3-6869-4298-BCFD-E8D5A5A8C4FA}" type="slidenum">
+              <a:rPr lang="en-US" smtClean="0"/>
+              <a:t>17</a:t>
+            </a:fld>
+            <a:endParaRPr lang="en-US"/>
+          </a:p>
+        </p:txBody>
+      </p:sp>
+    </p:spTree>
+    <p:extLst>
+      <p:ext uri="{BB962C8B-B14F-4D97-AF65-F5344CB8AC3E}">
+        <p14:creationId xmlns:p14="http://schemas.microsoft.com/office/powerpoint/2010/main" val="1042462328"/>
+      </p:ext>
+    </p:extLst>
+  </p:cSld>
+  <p:clrMapOvr>
+    <a:masterClrMapping/>
+  </p:clrMapOvr>
+</p:notes>
+</file>
+
+<file path=ppt/notesSlides/notesSlide18.xml><?xml version="1.0" encoding="utf-8"?>
+<p:notes xmlns:a="http://schemas.openxmlformats.org/drawingml/2006/main" xmlns:r="http://schemas.openxmlformats.org/officeDocument/2006/relationships" xmlns:p="http://schemas.openxmlformats.org/presentationml/2006/main">
+  <p:cSld>
+    <p:spTree>
+      <p:nvGrpSpPr>
+        <p:cNvPr id="1" name=""/>
+        <p:cNvGrpSpPr/>
+        <p:nvPr/>
+      </p:nvGrpSpPr>
+      <p:grpSpPr>
+        <a:xfrm>
+          <a:off x="0" y="0"/>
+          <a:ext cx="0" cy="0"/>
+          <a:chOff x="0" y="0"/>
+          <a:chExt cx="0" cy="0"/>
+        </a:xfrm>
+      </p:grpSpPr>
+      <p:sp>
+        <p:nvSpPr>
+          <p:cNvPr id="2" name="Slide Image Placeholder 1"/>
+          <p:cNvSpPr>
+            <a:spLocks noGrp="1" noRot="1" noChangeAspect="1"/>
+          </p:cNvSpPr>
+          <p:nvPr>
+            <p:ph type="sldImg"/>
+          </p:nvPr>
+        </p:nvSpPr>
+        <p:spPr/>
+      </p:sp>
+      <p:sp>
+        <p:nvSpPr>
+          <p:cNvPr id="3" name="Notes Placeholder 2"/>
+          <p:cNvSpPr>
+            <a:spLocks noGrp="1"/>
+          </p:cNvSpPr>
+          <p:nvPr>
+            <p:ph type="body" idx="1"/>
+          </p:nvPr>
+        </p:nvSpPr>
+        <p:spPr/>
+        <p:txBody>
+          <a:bodyPr/>
+          <a:lstStyle/>
+          <a:p>
+            <a:r>
+              <a:rPr lang="en-US" b="1" dirty="0" smtClean="0"/>
+              <a:t>37:30</a:t>
+            </a:r>
+          </a:p>
+          <a:p>
+            <a:endParaRPr lang="en-US" dirty="0"/>
+          </a:p>
+        </p:txBody>
+      </p:sp>
+      <p:sp>
+        <p:nvSpPr>
+          <p:cNvPr id="4" name="Slide Number Placeholder 3"/>
+          <p:cNvSpPr>
+            <a:spLocks noGrp="1"/>
+          </p:cNvSpPr>
+          <p:nvPr>
+            <p:ph type="sldNum" sz="quarter" idx="10"/>
+          </p:nvPr>
+        </p:nvSpPr>
+        <p:spPr/>
+        <p:txBody>
+          <a:bodyPr/>
+          <a:lstStyle/>
+          <a:p>
+            <a:fld id="{1026F2E3-6869-4298-BCFD-E8D5A5A8C4FA}" type="slidenum">
+              <a:rPr lang="en-US" smtClean="0"/>
+              <a:t>18</a:t>
+            </a:fld>
+            <a:endParaRPr lang="en-US"/>
+          </a:p>
+        </p:txBody>
+      </p:sp>
+    </p:spTree>
+    <p:extLst>
+      <p:ext uri="{BB962C8B-B14F-4D97-AF65-F5344CB8AC3E}">
+        <p14:creationId xmlns:p14="http://schemas.microsoft.com/office/powerpoint/2010/main" val="643853577"/>
+      </p:ext>
+    </p:extLst>
+  </p:cSld>
+  <p:clrMapOvr>
+    <a:masterClrMapping/>
+  </p:clrMapOvr>
+</p:notes>
+</file>
+
+<file path=ppt/notesSlides/notesSlide19.xml><?xml version="1.0" encoding="utf-8"?>
+<p:notes xmlns:a="http://schemas.openxmlformats.org/drawingml/2006/main" xmlns:r="http://schemas.openxmlformats.org/officeDocument/2006/relationships" xmlns:p="http://schemas.openxmlformats.org/presentationml/2006/main">
+  <p:cSld>
+    <p:spTree>
+      <p:nvGrpSpPr>
+        <p:cNvPr id="1" name=""/>
+        <p:cNvGrpSpPr/>
+        <p:nvPr/>
+      </p:nvGrpSpPr>
+      <p:grpSpPr>
+        <a:xfrm>
+          <a:off x="0" y="0"/>
+          <a:ext cx="0" cy="0"/>
+          <a:chOff x="0" y="0"/>
+          <a:chExt cx="0" cy="0"/>
+        </a:xfrm>
+      </p:grpSpPr>
+      <p:sp>
+        <p:nvSpPr>
+          <p:cNvPr id="2" name="Slide Image Placeholder 1"/>
+          <p:cNvSpPr>
+            <a:spLocks noGrp="1" noRot="1" noChangeAspect="1"/>
+          </p:cNvSpPr>
+          <p:nvPr>
+            <p:ph type="sldImg"/>
+          </p:nvPr>
+        </p:nvSpPr>
+        <p:spPr/>
+      </p:sp>
+      <p:sp>
+        <p:nvSpPr>
+          <p:cNvPr id="3" name="Notes Placeholder 2"/>
+          <p:cNvSpPr>
+            <a:spLocks noGrp="1"/>
+          </p:cNvSpPr>
+          <p:nvPr>
+            <p:ph type="body" idx="1"/>
+          </p:nvPr>
+        </p:nvSpPr>
+        <p:spPr/>
+        <p:txBody>
+          <a:bodyPr/>
+          <a:lstStyle/>
+          <a:p>
+            <a:r>
+              <a:rPr lang="en-US" b="1" dirty="0" smtClean="0"/>
+              <a:t>39:00</a:t>
+            </a:r>
+            <a:endParaRPr lang="en-US" b="1" dirty="0"/>
+          </a:p>
+        </p:txBody>
+      </p:sp>
+      <p:sp>
+        <p:nvSpPr>
+          <p:cNvPr id="4" name="Slide Number Placeholder 3"/>
+          <p:cNvSpPr>
+            <a:spLocks noGrp="1"/>
+          </p:cNvSpPr>
+          <p:nvPr>
+            <p:ph type="sldNum" sz="quarter" idx="10"/>
+          </p:nvPr>
+        </p:nvSpPr>
+        <p:spPr/>
+        <p:txBody>
+          <a:bodyPr/>
+          <a:lstStyle/>
+          <a:p>
+            <a:fld id="{1026F2E3-6869-4298-BCFD-E8D5A5A8C4FA}" type="slidenum">
+              <a:rPr lang="en-US" smtClean="0"/>
+              <a:t>19</a:t>
+            </a:fld>
+            <a:endParaRPr lang="en-US"/>
+          </a:p>
+        </p:txBody>
+      </p:sp>
+    </p:spTree>
+    <p:extLst>
+      <p:ext uri="{BB962C8B-B14F-4D97-AF65-F5344CB8AC3E}">
+        <p14:creationId xmlns:p14="http://schemas.microsoft.com/office/powerpoint/2010/main" val="1081494470"/>
       </p:ext>
     </p:extLst>
   </p:cSld>
@@ -4030,12 +4934,455 @@
           <a:lstStyle/>
           <a:p>
             <a:r>
-              <a:rPr lang="en-US" dirty="0" smtClean="0"/>
-              <a:t>Talk</a:t>
-            </a:r>
-            <a:r>
-              <a:rPr lang="en-US" baseline="0" dirty="0" smtClean="0"/>
-              <a:t> about:</a:t>
+              <a:rPr lang="en-US" b="1" dirty="0" smtClean="0"/>
+              <a:t>4:00</a:t>
+            </a:r>
+            <a:endParaRPr lang="en-US" b="0" dirty="0" smtClean="0"/>
+          </a:p>
+          <a:p>
+            <a:endParaRPr lang="en-US" b="1" dirty="0" smtClean="0"/>
+          </a:p>
+        </p:txBody>
+      </p:sp>
+      <p:sp>
+        <p:nvSpPr>
+          <p:cNvPr id="4" name="Slide Number Placeholder 3"/>
+          <p:cNvSpPr>
+            <a:spLocks noGrp="1"/>
+          </p:cNvSpPr>
+          <p:nvPr>
+            <p:ph type="sldNum" sz="quarter" idx="10"/>
+          </p:nvPr>
+        </p:nvSpPr>
+        <p:spPr/>
+        <p:txBody>
+          <a:bodyPr/>
+          <a:lstStyle/>
+          <a:p>
+            <a:fld id="{1026F2E3-6869-4298-BCFD-E8D5A5A8C4FA}" type="slidenum">
+              <a:rPr lang="en-US" smtClean="0"/>
+              <a:t>2</a:t>
+            </a:fld>
+            <a:endParaRPr lang="en-US"/>
+          </a:p>
+        </p:txBody>
+      </p:sp>
+    </p:spTree>
+    <p:extLst>
+      <p:ext uri="{BB962C8B-B14F-4D97-AF65-F5344CB8AC3E}">
+        <p14:creationId xmlns:p14="http://schemas.microsoft.com/office/powerpoint/2010/main" val="2453541172"/>
+      </p:ext>
+    </p:extLst>
+  </p:cSld>
+  <p:clrMapOvr>
+    <a:masterClrMapping/>
+  </p:clrMapOvr>
+</p:notes>
+</file>
+
+<file path=ppt/notesSlides/notesSlide20.xml><?xml version="1.0" encoding="utf-8"?>
+<p:notes xmlns:a="http://schemas.openxmlformats.org/drawingml/2006/main" xmlns:r="http://schemas.openxmlformats.org/officeDocument/2006/relationships" xmlns:p="http://schemas.openxmlformats.org/presentationml/2006/main">
+  <p:cSld>
+    <p:spTree>
+      <p:nvGrpSpPr>
+        <p:cNvPr id="1" name=""/>
+        <p:cNvGrpSpPr/>
+        <p:nvPr/>
+      </p:nvGrpSpPr>
+      <p:grpSpPr>
+        <a:xfrm>
+          <a:off x="0" y="0"/>
+          <a:ext cx="0" cy="0"/>
+          <a:chOff x="0" y="0"/>
+          <a:chExt cx="0" cy="0"/>
+        </a:xfrm>
+      </p:grpSpPr>
+      <p:sp>
+        <p:nvSpPr>
+          <p:cNvPr id="2" name="Slide Image Placeholder 1"/>
+          <p:cNvSpPr>
+            <a:spLocks noGrp="1" noRot="1" noChangeAspect="1"/>
+          </p:cNvSpPr>
+          <p:nvPr>
+            <p:ph type="sldImg"/>
+          </p:nvPr>
+        </p:nvSpPr>
+        <p:spPr/>
+      </p:sp>
+      <p:sp>
+        <p:nvSpPr>
+          <p:cNvPr id="3" name="Notes Placeholder 2"/>
+          <p:cNvSpPr>
+            <a:spLocks noGrp="1"/>
+          </p:cNvSpPr>
+          <p:nvPr>
+            <p:ph type="body" idx="1"/>
+          </p:nvPr>
+        </p:nvSpPr>
+        <p:spPr/>
+        <p:txBody>
+          <a:bodyPr/>
+          <a:lstStyle/>
+          <a:p>
+            <a:r>
+              <a:rPr lang="en-US" b="1" dirty="0" smtClean="0"/>
+              <a:t>39:40</a:t>
+            </a:r>
+            <a:endParaRPr lang="en-US" b="1" dirty="0"/>
+          </a:p>
+        </p:txBody>
+      </p:sp>
+      <p:sp>
+        <p:nvSpPr>
+          <p:cNvPr id="4" name="Slide Number Placeholder 3"/>
+          <p:cNvSpPr>
+            <a:spLocks noGrp="1"/>
+          </p:cNvSpPr>
+          <p:nvPr>
+            <p:ph type="sldNum" sz="quarter" idx="10"/>
+          </p:nvPr>
+        </p:nvSpPr>
+        <p:spPr/>
+        <p:txBody>
+          <a:bodyPr/>
+          <a:lstStyle/>
+          <a:p>
+            <a:fld id="{1026F2E3-6869-4298-BCFD-E8D5A5A8C4FA}" type="slidenum">
+              <a:rPr lang="en-US" smtClean="0"/>
+              <a:t>20</a:t>
+            </a:fld>
+            <a:endParaRPr lang="en-US"/>
+          </a:p>
+        </p:txBody>
+      </p:sp>
+    </p:spTree>
+    <p:extLst>
+      <p:ext uri="{BB962C8B-B14F-4D97-AF65-F5344CB8AC3E}">
+        <p14:creationId xmlns:p14="http://schemas.microsoft.com/office/powerpoint/2010/main" val="277640725"/>
+      </p:ext>
+    </p:extLst>
+  </p:cSld>
+  <p:clrMapOvr>
+    <a:masterClrMapping/>
+  </p:clrMapOvr>
+</p:notes>
+</file>
+
+<file path=ppt/notesSlides/notesSlide21.xml><?xml version="1.0" encoding="utf-8"?>
+<p:notes xmlns:a="http://schemas.openxmlformats.org/drawingml/2006/main" xmlns:r="http://schemas.openxmlformats.org/officeDocument/2006/relationships" xmlns:p="http://schemas.openxmlformats.org/presentationml/2006/main">
+  <p:cSld>
+    <p:spTree>
+      <p:nvGrpSpPr>
+        <p:cNvPr id="1" name=""/>
+        <p:cNvGrpSpPr/>
+        <p:nvPr/>
+      </p:nvGrpSpPr>
+      <p:grpSpPr>
+        <a:xfrm>
+          <a:off x="0" y="0"/>
+          <a:ext cx="0" cy="0"/>
+          <a:chOff x="0" y="0"/>
+          <a:chExt cx="0" cy="0"/>
+        </a:xfrm>
+      </p:grpSpPr>
+      <p:sp>
+        <p:nvSpPr>
+          <p:cNvPr id="2" name="Slide Image Placeholder 1"/>
+          <p:cNvSpPr>
+            <a:spLocks noGrp="1" noRot="1" noChangeAspect="1"/>
+          </p:cNvSpPr>
+          <p:nvPr>
+            <p:ph type="sldImg"/>
+          </p:nvPr>
+        </p:nvSpPr>
+        <p:spPr/>
+      </p:sp>
+      <p:sp>
+        <p:nvSpPr>
+          <p:cNvPr id="3" name="Notes Placeholder 2"/>
+          <p:cNvSpPr>
+            <a:spLocks noGrp="1"/>
+          </p:cNvSpPr>
+          <p:nvPr>
+            <p:ph type="body" idx="1"/>
+          </p:nvPr>
+        </p:nvSpPr>
+        <p:spPr/>
+        <p:txBody>
+          <a:bodyPr/>
+          <a:lstStyle/>
+          <a:p>
+            <a:r>
+              <a:rPr lang="en-US" b="1" dirty="0" smtClean="0"/>
+              <a:t>40:00</a:t>
+            </a:r>
+            <a:endParaRPr lang="en-US" b="1" dirty="0"/>
+          </a:p>
+        </p:txBody>
+      </p:sp>
+      <p:sp>
+        <p:nvSpPr>
+          <p:cNvPr id="4" name="Slide Number Placeholder 3"/>
+          <p:cNvSpPr>
+            <a:spLocks noGrp="1"/>
+          </p:cNvSpPr>
+          <p:nvPr>
+            <p:ph type="sldNum" sz="quarter" idx="10"/>
+          </p:nvPr>
+        </p:nvSpPr>
+        <p:spPr/>
+        <p:txBody>
+          <a:bodyPr/>
+          <a:lstStyle/>
+          <a:p>
+            <a:fld id="{1026F2E3-6869-4298-BCFD-E8D5A5A8C4FA}" type="slidenum">
+              <a:rPr lang="en-US" smtClean="0"/>
+              <a:t>21</a:t>
+            </a:fld>
+            <a:endParaRPr lang="en-US"/>
+          </a:p>
+        </p:txBody>
+      </p:sp>
+    </p:spTree>
+    <p:extLst>
+      <p:ext uri="{BB962C8B-B14F-4D97-AF65-F5344CB8AC3E}">
+        <p14:creationId xmlns:p14="http://schemas.microsoft.com/office/powerpoint/2010/main" val="9881424"/>
+      </p:ext>
+    </p:extLst>
+  </p:cSld>
+  <p:clrMapOvr>
+    <a:masterClrMapping/>
+  </p:clrMapOvr>
+</p:notes>
+</file>
+
+<file path=ppt/notesSlides/notesSlide22.xml><?xml version="1.0" encoding="utf-8"?>
+<p:notes xmlns:a="http://schemas.openxmlformats.org/drawingml/2006/main" xmlns:r="http://schemas.openxmlformats.org/officeDocument/2006/relationships" xmlns:p="http://schemas.openxmlformats.org/presentationml/2006/main">
+  <p:cSld>
+    <p:spTree>
+      <p:nvGrpSpPr>
+        <p:cNvPr id="1" name=""/>
+        <p:cNvGrpSpPr/>
+        <p:nvPr/>
+      </p:nvGrpSpPr>
+      <p:grpSpPr>
+        <a:xfrm>
+          <a:off x="0" y="0"/>
+          <a:ext cx="0" cy="0"/>
+          <a:chOff x="0" y="0"/>
+          <a:chExt cx="0" cy="0"/>
+        </a:xfrm>
+      </p:grpSpPr>
+      <p:sp>
+        <p:nvSpPr>
+          <p:cNvPr id="2" name="Slide Image Placeholder 1"/>
+          <p:cNvSpPr>
+            <a:spLocks noGrp="1" noRot="1" noChangeAspect="1"/>
+          </p:cNvSpPr>
+          <p:nvPr>
+            <p:ph type="sldImg"/>
+          </p:nvPr>
+        </p:nvSpPr>
+        <p:spPr/>
+      </p:sp>
+      <p:sp>
+        <p:nvSpPr>
+          <p:cNvPr id="3" name="Notes Placeholder 2"/>
+          <p:cNvSpPr>
+            <a:spLocks noGrp="1"/>
+          </p:cNvSpPr>
+          <p:nvPr>
+            <p:ph type="body" idx="1"/>
+          </p:nvPr>
+        </p:nvSpPr>
+        <p:spPr/>
+        <p:txBody>
+          <a:bodyPr/>
+          <a:lstStyle/>
+          <a:p>
+            <a:r>
+              <a:rPr lang="en-US" b="1" dirty="0" smtClean="0"/>
+              <a:t>41:30</a:t>
+            </a:r>
+            <a:endParaRPr lang="en-US" b="1" dirty="0"/>
+          </a:p>
+        </p:txBody>
+      </p:sp>
+      <p:sp>
+        <p:nvSpPr>
+          <p:cNvPr id="4" name="Slide Number Placeholder 3"/>
+          <p:cNvSpPr>
+            <a:spLocks noGrp="1"/>
+          </p:cNvSpPr>
+          <p:nvPr>
+            <p:ph type="sldNum" sz="quarter" idx="10"/>
+          </p:nvPr>
+        </p:nvSpPr>
+        <p:spPr/>
+        <p:txBody>
+          <a:bodyPr/>
+          <a:lstStyle/>
+          <a:p>
+            <a:fld id="{1026F2E3-6869-4298-BCFD-E8D5A5A8C4FA}" type="slidenum">
+              <a:rPr lang="en-US" smtClean="0"/>
+              <a:t>22</a:t>
+            </a:fld>
+            <a:endParaRPr lang="en-US"/>
+          </a:p>
+        </p:txBody>
+      </p:sp>
+    </p:spTree>
+    <p:extLst>
+      <p:ext uri="{BB962C8B-B14F-4D97-AF65-F5344CB8AC3E}">
+        <p14:creationId xmlns:p14="http://schemas.microsoft.com/office/powerpoint/2010/main" val="920682072"/>
+      </p:ext>
+    </p:extLst>
+  </p:cSld>
+  <p:clrMapOvr>
+    <a:masterClrMapping/>
+  </p:clrMapOvr>
+</p:notes>
+</file>
+
+<file path=ppt/notesSlides/notesSlide23.xml><?xml version="1.0" encoding="utf-8"?>
+<p:notes xmlns:a="http://schemas.openxmlformats.org/drawingml/2006/main" xmlns:r="http://schemas.openxmlformats.org/officeDocument/2006/relationships" xmlns:p="http://schemas.openxmlformats.org/presentationml/2006/main">
+  <p:cSld>
+    <p:spTree>
+      <p:nvGrpSpPr>
+        <p:cNvPr id="1" name=""/>
+        <p:cNvGrpSpPr/>
+        <p:nvPr/>
+      </p:nvGrpSpPr>
+      <p:grpSpPr>
+        <a:xfrm>
+          <a:off x="0" y="0"/>
+          <a:ext cx="0" cy="0"/>
+          <a:chOff x="0" y="0"/>
+          <a:chExt cx="0" cy="0"/>
+        </a:xfrm>
+      </p:grpSpPr>
+      <p:sp>
+        <p:nvSpPr>
+          <p:cNvPr id="2" name="Slide Image Placeholder 1"/>
+          <p:cNvSpPr>
+            <a:spLocks noGrp="1" noRot="1" noChangeAspect="1"/>
+          </p:cNvSpPr>
+          <p:nvPr>
+            <p:ph type="sldImg"/>
+          </p:nvPr>
+        </p:nvSpPr>
+        <p:spPr/>
+      </p:sp>
+      <p:sp>
+        <p:nvSpPr>
+          <p:cNvPr id="3" name="Notes Placeholder 2"/>
+          <p:cNvSpPr>
+            <a:spLocks noGrp="1"/>
+          </p:cNvSpPr>
+          <p:nvPr>
+            <p:ph type="body" idx="1"/>
+          </p:nvPr>
+        </p:nvSpPr>
+        <p:spPr/>
+        <p:txBody>
+          <a:bodyPr/>
+          <a:lstStyle/>
+          <a:p>
+            <a:r>
+              <a:rPr lang="en-US" b="1" dirty="0" smtClean="0"/>
+              <a:t>43:30</a:t>
+            </a:r>
+            <a:endParaRPr lang="en-US" b="1" dirty="0"/>
+          </a:p>
+        </p:txBody>
+      </p:sp>
+      <p:sp>
+        <p:nvSpPr>
+          <p:cNvPr id="4" name="Slide Number Placeholder 3"/>
+          <p:cNvSpPr>
+            <a:spLocks noGrp="1"/>
+          </p:cNvSpPr>
+          <p:nvPr>
+            <p:ph type="sldNum" sz="quarter" idx="10"/>
+          </p:nvPr>
+        </p:nvSpPr>
+        <p:spPr/>
+        <p:txBody>
+          <a:bodyPr/>
+          <a:lstStyle/>
+          <a:p>
+            <a:fld id="{1026F2E3-6869-4298-BCFD-E8D5A5A8C4FA}" type="slidenum">
+              <a:rPr lang="en-US" smtClean="0"/>
+              <a:t>23</a:t>
+            </a:fld>
+            <a:endParaRPr lang="en-US"/>
+          </a:p>
+        </p:txBody>
+      </p:sp>
+    </p:spTree>
+    <p:extLst>
+      <p:ext uri="{BB962C8B-B14F-4D97-AF65-F5344CB8AC3E}">
+        <p14:creationId xmlns:p14="http://schemas.microsoft.com/office/powerpoint/2010/main" val="3040920833"/>
+      </p:ext>
+    </p:extLst>
+  </p:cSld>
+  <p:clrMapOvr>
+    <a:masterClrMapping/>
+  </p:clrMapOvr>
+</p:notes>
+</file>
+
+<file path=ppt/notesSlides/notesSlide24.xml><?xml version="1.0" encoding="utf-8"?>
+<p:notes xmlns:a="http://schemas.openxmlformats.org/drawingml/2006/main" xmlns:r="http://schemas.openxmlformats.org/officeDocument/2006/relationships" xmlns:p="http://schemas.openxmlformats.org/presentationml/2006/main">
+  <p:cSld>
+    <p:spTree>
+      <p:nvGrpSpPr>
+        <p:cNvPr id="1" name=""/>
+        <p:cNvGrpSpPr/>
+        <p:nvPr/>
+      </p:nvGrpSpPr>
+      <p:grpSpPr>
+        <a:xfrm>
+          <a:off x="0" y="0"/>
+          <a:ext cx="0" cy="0"/>
+          <a:chOff x="0" y="0"/>
+          <a:chExt cx="0" cy="0"/>
+        </a:xfrm>
+      </p:grpSpPr>
+      <p:sp>
+        <p:nvSpPr>
+          <p:cNvPr id="2" name="Slide Image Placeholder 1"/>
+          <p:cNvSpPr>
+            <a:spLocks noGrp="1" noRot="1" noChangeAspect="1"/>
+          </p:cNvSpPr>
+          <p:nvPr>
+            <p:ph type="sldImg"/>
+          </p:nvPr>
+        </p:nvSpPr>
+        <p:spPr/>
+      </p:sp>
+      <p:sp>
+        <p:nvSpPr>
+          <p:cNvPr id="3" name="Notes Placeholder 2"/>
+          <p:cNvSpPr>
+            <a:spLocks noGrp="1"/>
+          </p:cNvSpPr>
+          <p:nvPr>
+            <p:ph type="body" idx="1"/>
+          </p:nvPr>
+        </p:nvSpPr>
+        <p:spPr/>
+        <p:txBody>
+          <a:bodyPr/>
+          <a:lstStyle/>
+          <a:p>
+            <a:pPr marL="0" indent="0">
+              <a:buFont typeface="Arial" panose="020B0604020202020204" pitchFamily="34" charset="0"/>
+              <a:buNone/>
+            </a:pPr>
+            <a:r>
+              <a:rPr lang="en-US" b="1" dirty="0" smtClean="0"/>
+              <a:t>46:00</a:t>
             </a:r>
           </a:p>
           <a:p>
@@ -4044,39 +5391,97 @@
               <a:buChar char="•"/>
             </a:pPr>
             <a:r>
-              <a:rPr lang="en-US" baseline="0" dirty="0" smtClean="0"/>
-              <a:t>EDI system</a:t>
-            </a:r>
-          </a:p>
-          <a:p>
-            <a:pPr marL="171450" indent="-171450">
+              <a:rPr lang="en-US" dirty="0" smtClean="0"/>
+              <a:t>Isolation</a:t>
+            </a:r>
+            <a:endParaRPr lang="en-US" dirty="0" smtClean="0"/>
+          </a:p>
+          <a:p>
+            <a:pPr marL="628650" lvl="1" indent="-171450">
               <a:buFont typeface="Arial" panose="020B0604020202020204" pitchFamily="34" charset="0"/>
               <a:buChar char="•"/>
             </a:pPr>
             <a:r>
+              <a:rPr lang="en-US" dirty="0" smtClean="0"/>
+              <a:t>Read</a:t>
+            </a:r>
+            <a:r>
               <a:rPr lang="en-US" baseline="0" dirty="0" smtClean="0"/>
-              <a:t>DANG</a:t>
-            </a:r>
-          </a:p>
-          <a:p>
-            <a:pPr marL="171450" indent="-171450">
+              <a:t> </a:t>
+            </a:r>
+            <a:r>
+              <a:rPr lang="en-US" baseline="0" dirty="0" smtClean="0"/>
+              <a:t>Uncommitted – Allows dirty reads, you can see uncommitted data</a:t>
+            </a:r>
+            <a:endParaRPr lang="en-US" baseline="0" dirty="0" smtClean="0"/>
+          </a:p>
+          <a:p>
+            <a:pPr marL="628650" lvl="1" indent="-171450">
               <a:buFont typeface="Arial" panose="020B0604020202020204" pitchFamily="34" charset="0"/>
               <a:buChar char="•"/>
             </a:pPr>
             <a:r>
               <a:rPr lang="en-US" baseline="0" dirty="0" smtClean="0"/>
-              <a:t>1,000,000 transactions per minute</a:t>
-            </a:r>
-          </a:p>
-          <a:p>
-            <a:pPr marL="171450" indent="-171450">
+              <a:t>Read Committed – Ensures that data is committed before reading, or a select operation is made within the transaction</a:t>
+            </a:r>
+            <a:endParaRPr lang="en-US" baseline="0" dirty="0" smtClean="0"/>
+          </a:p>
+          <a:p>
+            <a:pPr marL="628650" lvl="1" indent="-171450">
               <a:buFont typeface="Arial" panose="020B0604020202020204" pitchFamily="34" charset="0"/>
               <a:buChar char="•"/>
             </a:pPr>
             <a:r>
               <a:rPr lang="en-US" baseline="0" dirty="0" smtClean="0"/>
-              <a:t>Oracle RAC</a:t>
-            </a:r>
+              <a:t>Repeatable </a:t>
+            </a:r>
+            <a:r>
+              <a:rPr lang="en-US" baseline="0" dirty="0" smtClean="0"/>
+              <a:t>Read – Like read committed, except a select won’t release the lock</a:t>
+            </a:r>
+            <a:endParaRPr lang="en-US" baseline="0" dirty="0" smtClean="0"/>
+          </a:p>
+          <a:p>
+            <a:pPr marL="628650" lvl="1" indent="-171450">
+              <a:buFont typeface="Arial" panose="020B0604020202020204" pitchFamily="34" charset="0"/>
+              <a:buChar char="•"/>
+            </a:pPr>
+            <a:r>
+              <a:rPr lang="en-US" baseline="0" dirty="0" smtClean="0"/>
+              <a:t>Serializable – Does not allow any other reads or writes during a transaction (blocks, or serializes)</a:t>
+            </a:r>
+            <a:endParaRPr lang="en-US" baseline="0" dirty="0" smtClean="0"/>
+          </a:p>
+          <a:p>
+            <a:pPr marL="171450" lvl="0" indent="-171450">
+              <a:buFont typeface="Arial" panose="020B0604020202020204" pitchFamily="34" charset="0"/>
+              <a:buChar char="•"/>
+            </a:pPr>
+            <a:r>
+              <a:rPr lang="en-US" dirty="0" smtClean="0"/>
+              <a:t>Distributed</a:t>
+            </a:r>
+            <a:r>
+              <a:rPr lang="en-US" baseline="0" dirty="0" smtClean="0"/>
+              <a:t> Transactions</a:t>
+            </a:r>
+          </a:p>
+          <a:p>
+            <a:pPr marL="628650" lvl="1" indent="-171450">
+              <a:buFont typeface="Arial" panose="020B0604020202020204" pitchFamily="34" charset="0"/>
+              <a:buChar char="•"/>
+            </a:pPr>
+            <a:r>
+              <a:rPr lang="en-US" baseline="0" dirty="0" smtClean="0"/>
+              <a:t>Two-Phase Commit are virtually impossible in distributed systems, requiring locks on all nodes (serializable isolation)</a:t>
+            </a:r>
+          </a:p>
+          <a:p>
+            <a:pPr marL="171450" lvl="0" indent="-171450">
+              <a:buFont typeface="Arial" panose="020B0604020202020204" pitchFamily="34" charset="0"/>
+              <a:buChar char="•"/>
+            </a:pPr>
+            <a:endParaRPr lang="en-US" dirty="0"/>
           </a:p>
         </p:txBody>
       </p:sp>
@@ -4097,7 +5502,7 @@
           <a:p>
             <a:fld id="{1026F2E3-6869-4298-BCFD-E8D5A5A8C4FA}" type="slidenum">
               <a:rPr lang="en-US" smtClean="0"/>
-              <a:t>3</a:t>
+              <a:t>24</a:t>
             </a:fld>
             <a:endParaRPr lang="en-US"/>
           </a:p>
@@ -4106,7 +5511,183 @@
     </p:spTree>
     <p:extLst>
       <p:ext uri="{BB962C8B-B14F-4D97-AF65-F5344CB8AC3E}">
-        <p14:creationId xmlns:p14="http://schemas.microsoft.com/office/powerpoint/2010/main" val="84670667"/>
+        <p14:creationId xmlns:p14="http://schemas.microsoft.com/office/powerpoint/2010/main" val="815805433"/>
+      </p:ext>
+    </p:extLst>
+  </p:cSld>
+  <p:clrMapOvr>
+    <a:masterClrMapping/>
+  </p:clrMapOvr>
+</p:notes>
+</file>
+
+<file path=ppt/notesSlides/notesSlide25.xml><?xml version="1.0" encoding="utf-8"?>
+<p:notes xmlns:a="http://schemas.openxmlformats.org/drawingml/2006/main" xmlns:r="http://schemas.openxmlformats.org/officeDocument/2006/relationships" xmlns:p="http://schemas.openxmlformats.org/presentationml/2006/main">
+  <p:cSld>
+    <p:spTree>
+      <p:nvGrpSpPr>
+        <p:cNvPr id="1" name=""/>
+        <p:cNvGrpSpPr/>
+        <p:nvPr/>
+      </p:nvGrpSpPr>
+      <p:grpSpPr>
+        <a:xfrm>
+          <a:off x="0" y="0"/>
+          <a:ext cx="0" cy="0"/>
+          <a:chOff x="0" y="0"/>
+          <a:chExt cx="0" cy="0"/>
+        </a:xfrm>
+      </p:grpSpPr>
+      <p:sp>
+        <p:nvSpPr>
+          <p:cNvPr id="2" name="Slide Image Placeholder 1"/>
+          <p:cNvSpPr>
+            <a:spLocks noGrp="1" noRot="1" noChangeAspect="1"/>
+          </p:cNvSpPr>
+          <p:nvPr>
+            <p:ph type="sldImg"/>
+          </p:nvPr>
+        </p:nvSpPr>
+        <p:spPr/>
+      </p:sp>
+      <p:sp>
+        <p:nvSpPr>
+          <p:cNvPr id="3" name="Notes Placeholder 2"/>
+          <p:cNvSpPr>
+            <a:spLocks noGrp="1"/>
+          </p:cNvSpPr>
+          <p:nvPr>
+            <p:ph type="body" idx="1"/>
+          </p:nvPr>
+        </p:nvSpPr>
+        <p:spPr/>
+        <p:txBody>
+          <a:bodyPr/>
+          <a:lstStyle/>
+          <a:p>
+            <a:r>
+              <a:rPr lang="en-US" b="1" dirty="0" smtClean="0"/>
+              <a:t>50:00</a:t>
+            </a:r>
+            <a:endParaRPr lang="en-US" b="1" dirty="0"/>
+          </a:p>
+        </p:txBody>
+      </p:sp>
+      <p:sp>
+        <p:nvSpPr>
+          <p:cNvPr id="4" name="Slide Number Placeholder 3"/>
+          <p:cNvSpPr>
+            <a:spLocks noGrp="1"/>
+          </p:cNvSpPr>
+          <p:nvPr>
+            <p:ph type="sldNum" sz="quarter" idx="10"/>
+          </p:nvPr>
+        </p:nvSpPr>
+        <p:spPr/>
+        <p:txBody>
+          <a:bodyPr/>
+          <a:lstStyle/>
+          <a:p>
+            <a:fld id="{1026F2E3-6869-4298-BCFD-E8D5A5A8C4FA}" type="slidenum">
+              <a:rPr lang="en-US" smtClean="0"/>
+              <a:t>25</a:t>
+            </a:fld>
+            <a:endParaRPr lang="en-US"/>
+          </a:p>
+        </p:txBody>
+      </p:sp>
+    </p:spTree>
+    <p:extLst>
+      <p:ext uri="{BB962C8B-B14F-4D97-AF65-F5344CB8AC3E}">
+        <p14:creationId xmlns:p14="http://schemas.microsoft.com/office/powerpoint/2010/main" val="3695855155"/>
+      </p:ext>
+    </p:extLst>
+  </p:cSld>
+  <p:clrMapOvr>
+    <a:masterClrMapping/>
+  </p:clrMapOvr>
+</p:notes>
+</file>
+
+<file path=ppt/notesSlides/notesSlide26.xml><?xml version="1.0" encoding="utf-8"?>
+<p:notes xmlns:a="http://schemas.openxmlformats.org/drawingml/2006/main" xmlns:r="http://schemas.openxmlformats.org/officeDocument/2006/relationships" xmlns:p="http://schemas.openxmlformats.org/presentationml/2006/main">
+  <p:cSld>
+    <p:spTree>
+      <p:nvGrpSpPr>
+        <p:cNvPr id="1" name=""/>
+        <p:cNvGrpSpPr/>
+        <p:nvPr/>
+      </p:nvGrpSpPr>
+      <p:grpSpPr>
+        <a:xfrm>
+          <a:off x="0" y="0"/>
+          <a:ext cx="0" cy="0"/>
+          <a:chOff x="0" y="0"/>
+          <a:chExt cx="0" cy="0"/>
+        </a:xfrm>
+      </p:grpSpPr>
+      <p:sp>
+        <p:nvSpPr>
+          <p:cNvPr id="2" name="Slide Image Placeholder 1"/>
+          <p:cNvSpPr>
+            <a:spLocks noGrp="1" noRot="1" noChangeAspect="1"/>
+          </p:cNvSpPr>
+          <p:nvPr>
+            <p:ph type="sldImg"/>
+          </p:nvPr>
+        </p:nvSpPr>
+        <p:spPr/>
+      </p:sp>
+      <p:sp>
+        <p:nvSpPr>
+          <p:cNvPr id="3" name="Notes Placeholder 2"/>
+          <p:cNvSpPr>
+            <a:spLocks noGrp="1"/>
+          </p:cNvSpPr>
+          <p:nvPr>
+            <p:ph type="body" idx="1"/>
+          </p:nvPr>
+        </p:nvSpPr>
+        <p:spPr/>
+        <p:txBody>
+          <a:bodyPr/>
+          <a:lstStyle/>
+          <a:p>
+            <a:r>
+              <a:rPr lang="en-US" b="1" dirty="0" smtClean="0"/>
+              <a:t>60:00</a:t>
+            </a:r>
+            <a:endParaRPr lang="en-US" b="1" dirty="0"/>
+          </a:p>
+        </p:txBody>
+      </p:sp>
+      <p:sp>
+        <p:nvSpPr>
+          <p:cNvPr id="4" name="Slide Number Placeholder 3"/>
+          <p:cNvSpPr>
+            <a:spLocks noGrp="1"/>
+          </p:cNvSpPr>
+          <p:nvPr>
+            <p:ph type="sldNum" sz="quarter" idx="10"/>
+          </p:nvPr>
+        </p:nvSpPr>
+        <p:spPr/>
+        <p:txBody>
+          <a:bodyPr/>
+          <a:lstStyle/>
+          <a:p>
+            <a:fld id="{1026F2E3-6869-4298-BCFD-E8D5A5A8C4FA}" type="slidenum">
+              <a:rPr lang="en-US" smtClean="0"/>
+              <a:t>26</a:t>
+            </a:fld>
+            <a:endParaRPr lang="en-US"/>
+          </a:p>
+        </p:txBody>
+      </p:sp>
+    </p:spTree>
+    <p:extLst>
+      <p:ext uri="{BB962C8B-B14F-4D97-AF65-F5344CB8AC3E}">
+        <p14:creationId xmlns:p14="http://schemas.microsoft.com/office/powerpoint/2010/main" val="3219715635"/>
       </p:ext>
     </p:extLst>
   </p:cSld>
@@ -4160,21 +5741,33 @@
           <a:bodyPr/>
           <a:lstStyle/>
           <a:p>
+            <a:r>
+              <a:rPr lang="en-US" b="1" dirty="0" smtClean="0"/>
+              <a:t>9:00</a:t>
+            </a:r>
+          </a:p>
+          <a:p>
+            <a:r>
+              <a:rPr lang="en-US" dirty="0" smtClean="0"/>
+              <a:t>Talk</a:t>
+            </a:r>
+            <a:r>
+              <a:rPr lang="en-US" baseline="0" dirty="0" smtClean="0"/>
+              <a:t> </a:t>
+            </a:r>
+            <a:r>
+              <a:rPr lang="en-US" baseline="0" dirty="0" smtClean="0"/>
+              <a:t>about:</a:t>
+            </a:r>
+          </a:p>
+          <a:p>
             <a:pPr marL="171450" indent="-171450">
               <a:buFont typeface="Arial" panose="020B0604020202020204" pitchFamily="34" charset="0"/>
               <a:buChar char="•"/>
             </a:pPr>
             <a:r>
               <a:rPr lang="en-US" baseline="0" dirty="0" smtClean="0"/>
-              <a:t>Leslie </a:t>
-            </a:r>
-            <a:r>
-              <a:rPr lang="en-US" baseline="0" dirty="0" err="1" smtClean="0"/>
-              <a:t>Lamport</a:t>
-            </a:r>
-            <a:r>
-              <a:rPr lang="en-US" baseline="0" dirty="0" smtClean="0"/>
-              <a:t> and 7 seconds</a:t>
+              <a:t>EDI system</a:t>
             </a:r>
           </a:p>
           <a:p>
@@ -4183,14 +5776,29 @@
               <a:buChar char="•"/>
             </a:pPr>
             <a:r>
-              <a:rPr lang="en-US" baseline="0" dirty="0" err="1" smtClean="0"/>
-              <a:t>max_commit_propagation_delay</a:t>
-            </a:r>
-            <a:r>
               <a:rPr lang="en-US" baseline="0" dirty="0" smtClean="0"/>
-              <a:t> and propagate on commit</a:t>
-            </a:r>
-            <a:endParaRPr lang="en-US" dirty="0" smtClean="0"/>
+              <a:t>DANG</a:t>
+            </a:r>
+          </a:p>
+          <a:p>
+            <a:pPr marL="171450" indent="-171450">
+              <a:buFont typeface="Arial" panose="020B0604020202020204" pitchFamily="34" charset="0"/>
+              <a:buChar char="•"/>
+            </a:pPr>
+            <a:r>
+              <a:rPr lang="en-US" baseline="0" dirty="0" smtClean="0"/>
+              <a:t>1,000,000 transactions per minute</a:t>
+            </a:r>
+          </a:p>
+          <a:p>
+            <a:pPr marL="171450" indent="-171450">
+              <a:buFont typeface="Arial" panose="020B0604020202020204" pitchFamily="34" charset="0"/>
+              <a:buChar char="•"/>
+            </a:pPr>
+            <a:r>
+              <a:rPr lang="en-US" baseline="0" dirty="0" smtClean="0"/>
+              <a:t>Oracle RAC</a:t>
+            </a:r>
           </a:p>
         </p:txBody>
       </p:sp>
@@ -4211,7 +5819,7 @@
           <a:p>
             <a:fld id="{1026F2E3-6869-4298-BCFD-E8D5A5A8C4FA}" type="slidenum">
               <a:rPr lang="en-US" smtClean="0"/>
-              <a:t>4</a:t>
+              <a:t>3</a:t>
             </a:fld>
             <a:endParaRPr lang="en-US"/>
           </a:p>
@@ -4220,7 +5828,7 @@
     </p:spTree>
     <p:extLst>
       <p:ext uri="{BB962C8B-B14F-4D97-AF65-F5344CB8AC3E}">
-        <p14:creationId xmlns:p14="http://schemas.microsoft.com/office/powerpoint/2010/main" val="351254676"/>
+        <p14:creationId xmlns:p14="http://schemas.microsoft.com/office/powerpoint/2010/main" val="84670667"/>
       </p:ext>
     </p:extLst>
   </p:cSld>
@@ -4274,17 +5882,31 @@
           <a:bodyPr/>
           <a:lstStyle/>
           <a:p>
+            <a:pPr marL="0" indent="0">
+              <a:buFont typeface="Arial" panose="020B0604020202020204" pitchFamily="34" charset="0"/>
+              <a:buNone/>
+            </a:pPr>
+            <a:r>
+              <a:rPr lang="en-US" b="1" baseline="0" dirty="0" smtClean="0"/>
+              <a:t>12:30</a:t>
+            </a:r>
+          </a:p>
+          <a:p>
             <a:pPr marL="171450" indent="-171450">
               <a:buFont typeface="Arial" panose="020B0604020202020204" pitchFamily="34" charset="0"/>
               <a:buChar char="•"/>
             </a:pPr>
             <a:r>
-              <a:rPr lang="en-US" dirty="0" smtClean="0"/>
-              <a:t>A database</a:t>
-            </a:r>
-            <a:r>
               <a:rPr lang="en-US" baseline="0" dirty="0" smtClean="0"/>
-              <a:t> is distributed whenever more than one node act as a logical database</a:t>
+              <a:t>Leslie </a:t>
+            </a:r>
+            <a:r>
+              <a:rPr lang="en-US" baseline="0" dirty="0" err="1" smtClean="0"/>
+              <a:t>Lamport</a:t>
+            </a:r>
+            <a:r>
+              <a:rPr lang="en-US" baseline="0" dirty="0" smtClean="0"/>
+              <a:t> and 7 seconds</a:t>
             </a:r>
           </a:p>
           <a:p>
@@ -4293,44 +5915,14 @@
               <a:buChar char="•"/>
             </a:pPr>
             <a:r>
+              <a:rPr lang="en-US" baseline="0" dirty="0" err="1" smtClean="0"/>
+              <a:t>max_commit_propagation_delay</a:t>
+            </a:r>
+            <a:r>
               <a:rPr lang="en-US" baseline="0" dirty="0" smtClean="0"/>
-              <a:t>A node is different than a server</a:t>
-            </a:r>
-          </a:p>
-          <a:p>
-            <a:pPr marL="171450" indent="-171450">
-              <a:buFont typeface="Arial" panose="020B0604020202020204" pitchFamily="34" charset="0"/>
-              <a:buChar char="•"/>
-            </a:pPr>
-            <a:r>
-              <a:rPr lang="en-US" dirty="0" smtClean="0"/>
-              <a:t>Replication is a way to distribute, but duplication</a:t>
-            </a:r>
-            <a:r>
-              <a:rPr lang="en-US" baseline="0" dirty="0" smtClean="0"/>
-              <a:t> is another way.</a:t>
-            </a:r>
-          </a:p>
-          <a:p>
-            <a:pPr marL="628650" lvl="1" indent="-171450">
-              <a:buFont typeface="Arial" panose="020B0604020202020204" pitchFamily="34" charset="0"/>
-              <a:buChar char="•"/>
-            </a:pPr>
-            <a:r>
-              <a:rPr lang="en-US" baseline="0" dirty="0" smtClean="0"/>
-              <a:t>Replication ensures fast writes, but requires serializable locking to ensure consistency</a:t>
-            </a:r>
-          </a:p>
-          <a:p>
-            <a:pPr marL="628650" lvl="1" indent="-171450">
-              <a:buFont typeface="Arial" panose="020B0604020202020204" pitchFamily="34" charset="0"/>
-              <a:buChar char="•"/>
-            </a:pPr>
-            <a:r>
-              <a:rPr lang="en-US" baseline="0" dirty="0" smtClean="0"/>
-              <a:t>Duplication is complex in large scale distributed systems, and can generate a lot of network traffic</a:t>
-            </a:r>
-            <a:endParaRPr lang="en-US" dirty="0"/>
+              <a:t> and propagate on commit</a:t>
+            </a:r>
+            <a:endParaRPr lang="en-US" dirty="0" smtClean="0"/>
           </a:p>
         </p:txBody>
       </p:sp>
@@ -4351,7 +5943,7 @@
           <a:p>
             <a:fld id="{1026F2E3-6869-4298-BCFD-E8D5A5A8C4FA}" type="slidenum">
               <a:rPr lang="en-US" smtClean="0"/>
-              <a:t>6</a:t>
+              <a:t>4</a:t>
             </a:fld>
             <a:endParaRPr lang="en-US"/>
           </a:p>
@@ -4360,7 +5952,7 @@
     </p:spTree>
     <p:extLst>
       <p:ext uri="{BB962C8B-B14F-4D97-AF65-F5344CB8AC3E}">
-        <p14:creationId xmlns:p14="http://schemas.microsoft.com/office/powerpoint/2010/main" val="2842931547"/>
+        <p14:creationId xmlns:p14="http://schemas.microsoft.com/office/powerpoint/2010/main" val="351254676"/>
       </p:ext>
     </p:extLst>
   </p:cSld>
@@ -4414,73 +6006,10 @@
           <a:bodyPr/>
           <a:lstStyle/>
           <a:p>
-            <a:pPr marL="171450" indent="-171450">
-              <a:buFont typeface="Arial" panose="020B0604020202020204" pitchFamily="34" charset="0"/>
-              <a:buChar char="•"/>
-            </a:pPr>
-            <a:r>
-              <a:rPr lang="en-US" dirty="0" smtClean="0"/>
-              <a:t>Web scale</a:t>
-            </a:r>
-          </a:p>
-          <a:p>
-            <a:pPr marL="628650" lvl="1" indent="-171450">
-              <a:buFont typeface="Arial" panose="020B0604020202020204" pitchFamily="34" charset="0"/>
-              <a:buChar char="•"/>
-            </a:pPr>
-            <a:r>
-              <a:rPr lang="en-US" dirty="0" smtClean="0"/>
-              <a:t>Tell</a:t>
-            </a:r>
-            <a:r>
-              <a:rPr lang="en-US" baseline="0" dirty="0" smtClean="0"/>
-              <a:t> story about experience as SOA architect</a:t>
-            </a:r>
-          </a:p>
-          <a:p>
-            <a:pPr marL="628650" lvl="1" indent="-171450">
-              <a:buFont typeface="Arial" panose="020B0604020202020204" pitchFamily="34" charset="0"/>
-              <a:buChar char="•"/>
-            </a:pPr>
-            <a:r>
-              <a:rPr lang="en-US" baseline="0" dirty="0" smtClean="0"/>
-              <a:t>Web scale is starting small, and scaling out to any size</a:t>
-            </a:r>
-          </a:p>
-          <a:p>
-            <a:pPr marL="628650" lvl="1" indent="-171450">
-              <a:buFont typeface="Arial" panose="020B0604020202020204" pitchFamily="34" charset="0"/>
-              <a:buChar char="•"/>
-            </a:pPr>
-            <a:r>
-              <a:rPr lang="en-US" baseline="0" dirty="0" smtClean="0"/>
-              <a:t>Commodity Hardware</a:t>
-            </a:r>
-          </a:p>
-          <a:p>
-            <a:pPr marL="171450" lvl="0" indent="-171450">
-              <a:buFont typeface="Arial" panose="020B0604020202020204" pitchFamily="34" charset="0"/>
-              <a:buChar char="•"/>
-            </a:pPr>
-            <a:r>
-              <a:rPr lang="en-US" baseline="0" dirty="0" smtClean="0"/>
-              <a:t>Shared Nothing, </a:t>
-            </a:r>
-            <a:r>
-              <a:rPr lang="en-US" baseline="0" dirty="0" smtClean="0"/>
-              <a:t>Disk, </a:t>
-            </a:r>
-            <a:r>
-              <a:rPr lang="en-US" baseline="0" dirty="0" smtClean="0"/>
-              <a:t>Cache</a:t>
-            </a:r>
-          </a:p>
-          <a:p>
-            <a:pPr marL="171450" lvl="0" indent="-171450">
-              <a:buFont typeface="Arial" panose="020B0604020202020204" pitchFamily="34" charset="0"/>
-              <a:buChar char="•"/>
-            </a:pPr>
-            <a:endParaRPr lang="en-US" baseline="0" dirty="0" smtClean="0"/>
+            <a:r>
+              <a:rPr lang="en-US" b="1" dirty="0" smtClean="0"/>
+              <a:t>15:00</a:t>
+            </a:r>
           </a:p>
         </p:txBody>
       </p:sp>
@@ -4501,7 +6030,7 @@
           <a:p>
             <a:fld id="{1026F2E3-6869-4298-BCFD-E8D5A5A8C4FA}" type="slidenum">
               <a:rPr lang="en-US" smtClean="0"/>
-              <a:t>7</a:t>
+              <a:t>5</a:t>
             </a:fld>
             <a:endParaRPr lang="en-US"/>
           </a:p>
@@ -4510,7 +6039,7 @@
     </p:spTree>
     <p:extLst>
       <p:ext uri="{BB962C8B-B14F-4D97-AF65-F5344CB8AC3E}">
-        <p14:creationId xmlns:p14="http://schemas.microsoft.com/office/powerpoint/2010/main" val="309583723"/>
+        <p14:creationId xmlns:p14="http://schemas.microsoft.com/office/powerpoint/2010/main" val="12748433"/>
       </p:ext>
     </p:extLst>
   </p:cSld>
@@ -4564,13 +6093,55 @@
           <a:bodyPr/>
           <a:lstStyle/>
           <a:p>
+            <a:pPr marL="0" indent="0">
+              <a:buFont typeface="Arial" panose="020B0604020202020204" pitchFamily="34" charset="0"/>
+              <a:buNone/>
+            </a:pPr>
+            <a:r>
+              <a:rPr lang="en-US" b="1" dirty="0" smtClean="0"/>
+              <a:t>17:00</a:t>
+            </a:r>
+          </a:p>
+          <a:p>
             <a:pPr marL="171450" indent="-171450">
               <a:buFont typeface="Arial" panose="020B0604020202020204" pitchFamily="34" charset="0"/>
               <a:buChar char="•"/>
             </a:pPr>
             <a:r>
               <a:rPr lang="en-US" dirty="0" smtClean="0"/>
-              <a:t>CAP</a:t>
+              <a:t>A </a:t>
+            </a:r>
+            <a:r>
+              <a:rPr lang="en-US" dirty="0" smtClean="0"/>
+              <a:t>database</a:t>
+            </a:r>
+            <a:r>
+              <a:rPr lang="en-US" baseline="0" dirty="0" smtClean="0"/>
+              <a:t> is distributed whenever more than one node act as a logical database</a:t>
+            </a:r>
+          </a:p>
+          <a:p>
+            <a:pPr marL="171450" indent="-171450">
+              <a:buFont typeface="Arial" panose="020B0604020202020204" pitchFamily="34" charset="0"/>
+              <a:buChar char="•"/>
+            </a:pPr>
+            <a:r>
+              <a:rPr lang="en-US" baseline="0" dirty="0" smtClean="0"/>
+              <a:t>A node is different than a server</a:t>
+            </a:r>
+          </a:p>
+          <a:p>
+            <a:pPr marL="171450" indent="-171450">
+              <a:buFont typeface="Arial" panose="020B0604020202020204" pitchFamily="34" charset="0"/>
+              <a:buChar char="•"/>
+            </a:pPr>
+            <a:r>
+              <a:rPr lang="en-US" dirty="0" smtClean="0"/>
+              <a:t>Replication is a way to distribute, but duplication</a:t>
+            </a:r>
+            <a:r>
+              <a:rPr lang="en-US" baseline="0" dirty="0" smtClean="0"/>
+              <a:t> is another way.</a:t>
             </a:r>
           </a:p>
           <a:p>
@@ -4579,12 +6150,8 @@
               <a:buChar char="•"/>
             </a:pPr>
             <a:r>
-              <a:rPr lang="en-US" dirty="0" smtClean="0"/>
-              <a:t>Consistency</a:t>
-            </a:r>
-            <a:r>
               <a:rPr lang="en-US" baseline="0" dirty="0" smtClean="0"/>
-              <a:t> – All nodes see the same data at the same time</a:t>
+              <a:t>Replication ensures fast writes, but requires serializable locking to ensure consistency</a:t>
             </a:r>
           </a:p>
           <a:p>
@@ -4594,60 +6161,7 @@
             </a:pPr>
             <a:r>
               <a:rPr lang="en-US" baseline="0" dirty="0" smtClean="0"/>
-              <a:t>Availability – Every request receives a response whether it succeeds or fails</a:t>
-            </a:r>
-          </a:p>
-          <a:p>
-            <a:pPr marL="628650" lvl="1" indent="-171450">
-              <a:buFont typeface="Arial" panose="020B0604020202020204" pitchFamily="34" charset="0"/>
-              <a:buChar char="•"/>
-            </a:pPr>
-            <a:r>
-              <a:rPr lang="en-US" dirty="0" smtClean="0"/>
-              <a:t>Partition Tolerance – The system continues to operate</a:t>
-            </a:r>
-            <a:r>
-              <a:rPr lang="en-US" baseline="0" dirty="0" smtClean="0"/>
-              <a:t> despite the loss of arbitrary portions of the system</a:t>
-            </a:r>
-            <a:endParaRPr lang="en-US" dirty="0" smtClean="0"/>
-          </a:p>
-          <a:p>
-            <a:pPr marL="171450" indent="-171450">
-              <a:buFont typeface="Arial" panose="020B0604020202020204" pitchFamily="34" charset="0"/>
-              <a:buChar char="•"/>
-            </a:pPr>
-            <a:r>
-              <a:rPr lang="en-US" dirty="0" smtClean="0"/>
-              <a:t>Consistency </a:t>
-            </a:r>
-            <a:r>
-              <a:rPr lang="en-US" dirty="0" smtClean="0"/>
-              <a:t>+ Availability = Traditional RDBMS… don’t distribute well</a:t>
-            </a:r>
-          </a:p>
-          <a:p>
-            <a:pPr marL="171450" indent="-171450">
-              <a:buFont typeface="Arial" panose="020B0604020202020204" pitchFamily="34" charset="0"/>
-              <a:buChar char="•"/>
-            </a:pPr>
-            <a:r>
-              <a:rPr lang="en-US" dirty="0" smtClean="0"/>
-              <a:t>Consistency</a:t>
-            </a:r>
-            <a:r>
-              <a:rPr lang="en-US" baseline="0" dirty="0" smtClean="0"/>
-              <a:t> + Partition Tolerance = Master/slave systems</a:t>
-            </a:r>
-          </a:p>
-          <a:p>
-            <a:pPr marL="171450" indent="-171450">
-              <a:buFont typeface="Arial" panose="020B0604020202020204" pitchFamily="34" charset="0"/>
-              <a:buChar char="•"/>
-            </a:pPr>
-            <a:r>
-              <a:rPr lang="en-US" baseline="0" dirty="0" smtClean="0"/>
-              <a:t>Partition Tolerance + Availability = Eventually Consistent databases</a:t>
+              <a:t>Duplication is complex in large scale distributed systems, and can generate a lot of network traffic</a:t>
             </a:r>
             <a:endParaRPr lang="en-US" dirty="0"/>
           </a:p>
@@ -4670,7 +6184,7 @@
           <a:p>
             <a:fld id="{1026F2E3-6869-4298-BCFD-E8D5A5A8C4FA}" type="slidenum">
               <a:rPr lang="en-US" smtClean="0"/>
-              <a:t>8</a:t>
+              <a:t>6</a:t>
             </a:fld>
             <a:endParaRPr lang="en-US"/>
           </a:p>
@@ -4679,7 +6193,7 @@
     </p:spTree>
     <p:extLst>
       <p:ext uri="{BB962C8B-B14F-4D97-AF65-F5344CB8AC3E}">
-        <p14:creationId xmlns:p14="http://schemas.microsoft.com/office/powerpoint/2010/main" val="1098840531"/>
+        <p14:creationId xmlns:p14="http://schemas.microsoft.com/office/powerpoint/2010/main" val="2842931547"/>
       </p:ext>
     </p:extLst>
   </p:cSld>
@@ -4733,9 +6247,13 @@
           <a:bodyPr/>
           <a:lstStyle/>
           <a:p>
-            <a:r>
-              <a:rPr lang="en-US" dirty="0" smtClean="0"/>
-              <a:t>ACID</a:t>
+            <a:pPr marL="0" indent="0">
+              <a:buFont typeface="Arial" panose="020B0604020202020204" pitchFamily="34" charset="0"/>
+              <a:buNone/>
+            </a:pPr>
+            <a:r>
+              <a:rPr lang="en-US" b="1" dirty="0" smtClean="0"/>
+              <a:t>22:00</a:t>
             </a:r>
           </a:p>
           <a:p>
@@ -4745,90 +6263,63 @@
             </a:pPr>
             <a:r>
               <a:rPr lang="en-US" dirty="0" smtClean="0"/>
-              <a:t>Atomic</a:t>
-            </a:r>
-            <a:r>
-              <a:rPr lang="en-US" baseline="0" dirty="0" smtClean="0"/>
-              <a:t> – Succeeds or fails and is rolled back</a:t>
-            </a:r>
-          </a:p>
-          <a:p>
-            <a:pPr marL="171450" indent="-171450">
+              <a:t>Web </a:t>
+            </a:r>
+            <a:r>
+              <a:rPr lang="en-US" dirty="0" smtClean="0"/>
+              <a:t>scale</a:t>
+            </a:r>
+          </a:p>
+          <a:p>
+            <a:pPr marL="628650" lvl="1" indent="-171450">
               <a:buFont typeface="Arial" panose="020B0604020202020204" pitchFamily="34" charset="0"/>
               <a:buChar char="•"/>
             </a:pPr>
             <a:r>
+              <a:rPr lang="en-US" dirty="0" smtClean="0"/>
+              <a:t>Tell</a:t>
+            </a:r>
+            <a:r>
               <a:rPr lang="en-US" baseline="0" dirty="0" smtClean="0"/>
-              <a:t>Consistent – The database cannot be in an inconsistent state</a:t>
-            </a:r>
-          </a:p>
-          <a:p>
-            <a:pPr marL="171450" indent="-171450">
+              <a:t> story about experience as SOA architect</a:t>
+            </a:r>
+          </a:p>
+          <a:p>
+            <a:pPr marL="628650" lvl="1" indent="-171450">
               <a:buFont typeface="Arial" panose="020B0604020202020204" pitchFamily="34" charset="0"/>
               <a:buChar char="•"/>
             </a:pPr>
             <a:r>
               <a:rPr lang="en-US" baseline="0" dirty="0" smtClean="0"/>
-              <a:t>Isolated – Transactions cannot interfere with each other</a:t>
-            </a:r>
-          </a:p>
-          <a:p>
-            <a:pPr marL="171450" indent="-171450">
+              <a:t>Web scale is starting small, and scaling out to any size</a:t>
+            </a:r>
+          </a:p>
+          <a:p>
+            <a:pPr marL="628650" lvl="1" indent="-171450">
               <a:buFont typeface="Arial" panose="020B0604020202020204" pitchFamily="34" charset="0"/>
               <a:buChar char="•"/>
             </a:pPr>
             <a:r>
               <a:rPr lang="en-US" baseline="0" dirty="0" smtClean="0"/>
-              <a:t>Durable – Data is </a:t>
-            </a:r>
-            <a:r>
-              <a:rPr lang="en-US" baseline="0" dirty="0" err="1" smtClean="0"/>
-              <a:t>forevah</a:t>
-            </a:r>
-            <a:r>
-              <a:rPr lang="en-US" baseline="0" dirty="0" smtClean="0"/>
-              <a:t>!</a:t>
-            </a:r>
-          </a:p>
-          <a:p>
-            <a:pPr marL="0" indent="0">
-              <a:buFont typeface="Arial" panose="020B0604020202020204" pitchFamily="34" charset="0"/>
-              <a:buNone/>
-            </a:pPr>
-            <a:r>
-              <a:rPr lang="en-US" baseline="0" dirty="0" smtClean="0"/>
-              <a:t>BASE</a:t>
-            </a:r>
-          </a:p>
-          <a:p>
-            <a:pPr marL="171450" indent="-171450">
+              <a:t>Commodity Hardware</a:t>
+            </a:r>
+          </a:p>
+          <a:p>
+            <a:pPr marL="171450" lvl="0" indent="-171450">
               <a:buFont typeface="Arial" panose="020B0604020202020204" pitchFamily="34" charset="0"/>
               <a:buChar char="•"/>
             </a:pPr>
             <a:r>
               <a:rPr lang="en-US" baseline="0" dirty="0" smtClean="0"/>
-              <a:t>Basic Availability – The system will always respond, even if the data is not current</a:t>
-            </a:r>
-          </a:p>
-          <a:p>
-            <a:pPr marL="171450" indent="-171450">
+              <a:t>Shared Nothing, Disk, Cache</a:t>
+            </a:r>
+          </a:p>
+          <a:p>
+            <a:pPr marL="171450" lvl="0" indent="-171450">
               <a:buFont typeface="Arial" panose="020B0604020202020204" pitchFamily="34" charset="0"/>
               <a:buChar char="•"/>
             </a:pPr>
-            <a:r>
-              <a:rPr lang="en-US" baseline="0" dirty="0" smtClean="0"/>
-              <a:t>Soft-State – Developers will handle data consistency, the database will not enforce it</a:t>
-            </a:r>
-          </a:p>
-          <a:p>
-            <a:pPr marL="171450" indent="-171450">
-              <a:buFont typeface="Arial" panose="020B0604020202020204" pitchFamily="34" charset="0"/>
-              <a:buChar char="•"/>
-            </a:pPr>
-            <a:r>
-              <a:rPr lang="en-US" baseline="0" dirty="0" smtClean="0"/>
-              <a:t>Eventual Consistency – If given time, data will become consistent</a:t>
-            </a:r>
+            <a:endParaRPr lang="en-US" baseline="0" dirty="0" smtClean="0"/>
           </a:p>
         </p:txBody>
       </p:sp>
@@ -4849,7 +6340,7 @@
           <a:p>
             <a:fld id="{1026F2E3-6869-4298-BCFD-E8D5A5A8C4FA}" type="slidenum">
               <a:rPr lang="en-US" smtClean="0"/>
-              <a:t>9</a:t>
+              <a:t>7</a:t>
             </a:fld>
             <a:endParaRPr lang="en-US"/>
           </a:p>
@@ -4858,7 +6349,7 @@
     </p:spTree>
     <p:extLst>
       <p:ext uri="{BB962C8B-B14F-4D97-AF65-F5344CB8AC3E}">
-        <p14:creationId xmlns:p14="http://schemas.microsoft.com/office/powerpoint/2010/main" val="2037417661"/>
+        <p14:creationId xmlns:p14="http://schemas.microsoft.com/office/powerpoint/2010/main" val="309583723"/>
       </p:ext>
     </p:extLst>
   </p:cSld>
@@ -4912,36 +6403,62 @@
           <a:bodyPr/>
           <a:lstStyle/>
           <a:p>
+            <a:pPr marL="0" indent="0">
+              <a:buFont typeface="Arial" panose="020B0604020202020204" pitchFamily="34" charset="0"/>
+              <a:buNone/>
+            </a:pPr>
+            <a:r>
+              <a:rPr lang="en-US" b="1" dirty="0" smtClean="0"/>
+              <a:t>25:00</a:t>
+            </a:r>
+          </a:p>
+          <a:p>
             <a:pPr marL="171450" indent="-171450">
               <a:buFont typeface="Arial" panose="020B0604020202020204" pitchFamily="34" charset="0"/>
               <a:buChar char="•"/>
             </a:pPr>
             <a:r>
               <a:rPr lang="en-US" dirty="0" smtClean="0"/>
-              <a:t>W = Nodes Written</a:t>
-            </a:r>
-          </a:p>
-          <a:p>
-            <a:pPr marL="628650" marR="0" lvl="1" indent="-171450" algn="l" defTabSz="914400" rtl="0" eaLnBrk="1" fontAlgn="auto" latinLnBrk="0" hangingPunct="1">
-              <a:lnSpc>
-                <a:spcPct val="100000"/>
-              </a:lnSpc>
-              <a:spcBef>
-                <a:spcPts val="0"/>
-              </a:spcBef>
-              <a:spcAft>
-                <a:spcPts val="0"/>
-              </a:spcAft>
-              <a:buClrTx/>
-              <a:buSzTx/>
+              <a:t>CAP</a:t>
+            </a:r>
+            <a:endParaRPr lang="en-US" dirty="0" smtClean="0"/>
+          </a:p>
+          <a:p>
+            <a:pPr marL="628650" lvl="1" indent="-171450">
               <a:buFont typeface="Arial" panose="020B0604020202020204" pitchFamily="34" charset="0"/>
               <a:buChar char="•"/>
-              <a:tabLst/>
-              <a:defRPr/>
             </a:pPr>
             <a:r>
+              <a:rPr lang="en-US" dirty="0" smtClean="0"/>
+              <a:t>Consistency</a:t>
+            </a:r>
+            <a:r>
               <a:rPr lang="en-US" baseline="0" dirty="0" smtClean="0"/>
-              <a:t>Quorum Versus Distributed Transactions</a:t>
+              <a:t> – All nodes see the same data at the same time</a:t>
+            </a:r>
+          </a:p>
+          <a:p>
+            <a:pPr marL="628650" lvl="1" indent="-171450">
+              <a:buFont typeface="Arial" panose="020B0604020202020204" pitchFamily="34" charset="0"/>
+              <a:buChar char="•"/>
+            </a:pPr>
+            <a:r>
+              <a:rPr lang="en-US" baseline="0" dirty="0" smtClean="0"/>
+              <a:t>Availability – Every request receives a response whether it succeeds or fails</a:t>
+            </a:r>
+          </a:p>
+          <a:p>
+            <a:pPr marL="628650" lvl="1" indent="-171450">
+              <a:buFont typeface="Arial" panose="020B0604020202020204" pitchFamily="34" charset="0"/>
+              <a:buChar char="•"/>
+            </a:pPr>
+            <a:r>
+              <a:rPr lang="en-US" dirty="0" smtClean="0"/>
+              <a:t>Partition Tolerance – The system continues to operate</a:t>
+            </a:r>
+            <a:r>
+              <a:rPr lang="en-US" baseline="0" dirty="0" smtClean="0"/>
+              <a:t> despite the loss of arbitrary portions of the system</a:t>
             </a:r>
             <a:endParaRPr lang="en-US" dirty="0" smtClean="0"/>
           </a:p>
@@ -4952,7 +6469,7 @@
             </a:pPr>
             <a:r>
               <a:rPr lang="en-US" dirty="0" smtClean="0"/>
-              <a:t>R = Nodes Read</a:t>
+              <a:t>Consistency + Availability = Traditional RDBMS… don’t distribute well</a:t>
             </a:r>
           </a:p>
           <a:p>
@@ -4962,11 +6479,11 @@
             </a:pPr>
             <a:r>
               <a:rPr lang="en-US" dirty="0" smtClean="0"/>
-              <a:t>N</a:t>
+              <a:t>Consistency</a:t>
             </a:r>
             <a:r>
               <a:rPr lang="en-US" baseline="0" dirty="0" smtClean="0"/>
-              <a:t> = Total Nodes</a:t>
+              <a:t> + Partition Tolerance = Master/slave systems</a:t>
             </a:r>
           </a:p>
           <a:p>
@@ -4976,8 +6493,9 @@
             </a:pPr>
             <a:r>
               <a:rPr lang="en-US" baseline="0" dirty="0" smtClean="0"/>
-              <a:t>Strong Consistency Models Require disproportionate amounts of hardware as they scale out</a:t>
-            </a:r>
+              <a:t>Partition Tolerance + Availability = Eventually Consistent databases</a:t>
+            </a:r>
+            <a:endParaRPr lang="en-US" dirty="0"/>
           </a:p>
         </p:txBody>
       </p:sp>
@@ -4998,7 +6516,7 @@
           <a:p>
             <a:fld id="{1026F2E3-6869-4298-BCFD-E8D5A5A8C4FA}" type="slidenum">
               <a:rPr lang="en-US" smtClean="0"/>
-              <a:t>10</a:t>
+              <a:t>8</a:t>
             </a:fld>
             <a:endParaRPr lang="en-US"/>
           </a:p>
@@ -5007,7 +6525,7 @@
     </p:spTree>
     <p:extLst>
       <p:ext uri="{BB962C8B-B14F-4D97-AF65-F5344CB8AC3E}">
-        <p14:creationId xmlns:p14="http://schemas.microsoft.com/office/powerpoint/2010/main" val="2022738444"/>
+        <p14:creationId xmlns:p14="http://schemas.microsoft.com/office/powerpoint/2010/main" val="1098840531"/>
       </p:ext>
     </p:extLst>
   </p:cSld>
@@ -5061,21 +6579,30 @@
           <a:bodyPr/>
           <a:lstStyle/>
           <a:p>
+            <a:r>
+              <a:rPr lang="en-US" b="1" dirty="0" smtClean="0"/>
+              <a:t>27:00</a:t>
+            </a:r>
+          </a:p>
+          <a:p>
+            <a:r>
+              <a:rPr lang="en-US" b="0" dirty="0" smtClean="0"/>
+              <a:t>ACID</a:t>
+            </a:r>
+            <a:endParaRPr lang="en-US" b="0" dirty="0" smtClean="0"/>
+          </a:p>
+          <a:p>
             <a:pPr marL="171450" indent="-171450">
               <a:buFont typeface="Arial" panose="020B0604020202020204" pitchFamily="34" charset="0"/>
               <a:buChar char="•"/>
             </a:pPr>
             <a:r>
-              <a:rPr lang="en-US" sz="1200" b="0" i="0" kern="1200" dirty="0" smtClean="0">
-                <a:solidFill>
-                  <a:schemeClr val="tx1"/>
-                </a:solidFill>
-                <a:effectLst/>
-                <a:latin typeface="+mn-lt"/>
-                <a:ea typeface="+mn-ea"/>
-                <a:cs typeface="+mn-cs"/>
-              </a:rPr>
-              <a:t>Strong Consistency: After an update, any subsequent access on any node will return the same value</a:t>
+              <a:rPr lang="en-US" dirty="0" smtClean="0"/>
+              <a:t>Atomic</a:t>
+            </a:r>
+            <a:r>
+              <a:rPr lang="en-US" baseline="0" dirty="0" smtClean="0"/>
+              <a:t> – Succeeds or fails and is rolled back</a:t>
             </a:r>
           </a:p>
           <a:p>
@@ -5084,16 +6611,8 @@
               <a:buChar char="•"/>
             </a:pPr>
             <a:r>
-              <a:rPr lang="en-US" sz="1200" b="0" i="0" kern="1200" dirty="0" smtClean="0">
-                <a:solidFill>
-                  <a:schemeClr val="tx1"/>
-                </a:solidFill>
-                <a:effectLst/>
-                <a:latin typeface="+mn-lt"/>
-                <a:ea typeface="+mn-ea"/>
-                <a:cs typeface="+mn-cs"/>
-              </a:rPr>
-              <a:t>Weak Consistency: Consistency can only be achieved after certain conditions are met (time or other events)</a:t>
+              <a:rPr lang="en-US" baseline="0" dirty="0" smtClean="0"/>
+              <a:t>Consistent – The database cannot be in an inconsistent state</a:t>
             </a:r>
           </a:p>
           <a:p>
@@ -5102,20 +6621,67 @@
               <a:buChar char="•"/>
             </a:pPr>
             <a:r>
-              <a:rPr lang="en-US" sz="1200" b="0" i="0" kern="1200" dirty="0" smtClean="0">
-                <a:solidFill>
-                  <a:schemeClr val="tx1"/>
-                </a:solidFill>
-                <a:effectLst/>
-                <a:latin typeface="+mn-lt"/>
-                <a:ea typeface="+mn-ea"/>
-                <a:cs typeface="+mn-cs"/>
-              </a:rPr>
-              <a:t>Eventual Consistency: Guarantees that if nothing else changes except time, consistency will eventually be achieved</a:t>
-            </a:r>
-          </a:p>
-          <a:p>
-            <a:endParaRPr lang="en-US" dirty="0"/>
+              <a:rPr lang="en-US" baseline="0" dirty="0" smtClean="0"/>
+              <a:t>Isolated – Transactions cannot interfere with each other</a:t>
+            </a:r>
+          </a:p>
+          <a:p>
+            <a:pPr marL="171450" indent="-171450">
+              <a:buFont typeface="Arial" panose="020B0604020202020204" pitchFamily="34" charset="0"/>
+              <a:buChar char="•"/>
+            </a:pPr>
+            <a:r>
+              <a:rPr lang="en-US" baseline="0" dirty="0" smtClean="0"/>
+              <a:t>Durable – Data is </a:t>
+            </a:r>
+            <a:r>
+              <a:rPr lang="en-US" baseline="0" dirty="0" err="1" smtClean="0"/>
+              <a:t>forevah</a:t>
+            </a:r>
+            <a:r>
+              <a:rPr lang="en-US" baseline="0" dirty="0" smtClean="0"/>
+              <a:t>!</a:t>
+            </a:r>
+          </a:p>
+          <a:p>
+            <a:pPr marL="0" indent="0">
+              <a:buFont typeface="Arial" panose="020B0604020202020204" pitchFamily="34" charset="0"/>
+              <a:buNone/>
+            </a:pPr>
+            <a:r>
+              <a:rPr lang="en-US" baseline="0" dirty="0" smtClean="0"/>
+              <a:t>BASE</a:t>
+            </a:r>
+          </a:p>
+          <a:p>
+            <a:pPr marL="171450" indent="-171450">
+              <a:buFont typeface="Arial" panose="020B0604020202020204" pitchFamily="34" charset="0"/>
+              <a:buChar char="•"/>
+            </a:pPr>
+            <a:r>
+              <a:rPr lang="en-US" baseline="0" dirty="0" smtClean="0"/>
+              <a:t>Basic Availability – The system will always respond, even if the data is not current</a:t>
+            </a:r>
+          </a:p>
+          <a:p>
+            <a:pPr marL="171450" indent="-171450">
+              <a:buFont typeface="Arial" panose="020B0604020202020204" pitchFamily="34" charset="0"/>
+              <a:buChar char="•"/>
+            </a:pPr>
+            <a:r>
+              <a:rPr lang="en-US" baseline="0" dirty="0" smtClean="0"/>
+              <a:t>Soft-State – Developers will handle data consistency, the database will not enforce it</a:t>
+            </a:r>
+          </a:p>
+          <a:p>
+            <a:pPr marL="171450" indent="-171450">
+              <a:buFont typeface="Arial" panose="020B0604020202020204" pitchFamily="34" charset="0"/>
+              <a:buChar char="•"/>
+            </a:pPr>
+            <a:r>
+              <a:rPr lang="en-US" baseline="0" dirty="0" smtClean="0"/>
+              <a:t>Eventual Consistency – If given time, data will become consistent</a:t>
+            </a:r>
           </a:p>
         </p:txBody>
       </p:sp>
@@ -5136,7 +6702,7 @@
           <a:p>
             <a:fld id="{1026F2E3-6869-4298-BCFD-E8D5A5A8C4FA}" type="slidenum">
               <a:rPr lang="en-US" smtClean="0"/>
-              <a:t>17</a:t>
+              <a:t>9</a:t>
             </a:fld>
             <a:endParaRPr lang="en-US"/>
           </a:p>
@@ -5145,7 +6711,7 @@
     </p:spTree>
     <p:extLst>
       <p:ext uri="{BB962C8B-B14F-4D97-AF65-F5344CB8AC3E}">
-        <p14:creationId xmlns:p14="http://schemas.microsoft.com/office/powerpoint/2010/main" val="1042462328"/>
+        <p14:creationId xmlns:p14="http://schemas.microsoft.com/office/powerpoint/2010/main" val="2037417661"/>
       </p:ext>
     </p:extLst>
   </p:cSld>
@@ -8636,8 +10202,8 @@
           </a:p>
         </p:txBody>
       </p:sp>
-      <mc:AlternateContent xmlns:mc="http://schemas.openxmlformats.org/markup-compatibility/2006">
-        <mc:Choice xmlns:a14="http://schemas.microsoft.com/office/drawing/2010/main" Requires="a14">
+      <mc:AlternateContent xmlns:mc="http://schemas.openxmlformats.org/markup-compatibility/2006" xmlns:a14="http://schemas.microsoft.com/office/drawing/2010/main">
+        <mc:Choice Requires="a14">
           <p:sp>
             <p:nvSpPr>
               <p:cNvPr id="3" name="Content Placeholder 2"/>
@@ -8760,7 +10326,7 @@
             </p:txBody>
           </p:sp>
         </mc:Choice>
-        <mc:Fallback>
+        <mc:Fallback xmlns="">
           <p:sp>
             <p:nvSpPr>
               <p:cNvPr id="3" name="Content Placeholder 2"/>
@@ -8777,7 +10343,7 @@
                 <a:ext cx="8382000" cy="1199880"/>
               </a:xfrm>
               <a:blipFill rotWithShape="0">
-                <a:blip r:embed="rId2"/>
+                <a:blip r:embed="rId3"/>
                 <a:stretch>
                   <a:fillRect l="-73"/>
                 </a:stretch>
@@ -8811,6 +10377,13 @@
   <p:transition>
     <p:fade/>
   </p:transition>
+  <p:timing>
+    <p:tnLst>
+      <p:par>
+        <p:cTn id="1" dur="indefinite" restart="never" nodeType="tmRoot"/>
+      </p:par>
+    </p:tnLst>
+  </p:timing>
 </p:sld>
 </file>
 
@@ -8859,8 +10432,8 @@
           </a:p>
         </p:txBody>
       </p:sp>
-      <mc:AlternateContent xmlns:mc="http://schemas.openxmlformats.org/markup-compatibility/2006">
-        <mc:Choice xmlns:a14="http://schemas.microsoft.com/office/drawing/2010/main" Requires="a14">
+      <mc:AlternateContent xmlns:mc="http://schemas.openxmlformats.org/markup-compatibility/2006" xmlns:a14="http://schemas.microsoft.com/office/drawing/2010/main">
+        <mc:Choice Requires="a14">
           <p:sp>
             <p:nvSpPr>
               <p:cNvPr id="3" name="Content Placeholder 2"/>
@@ -8941,7 +10514,7 @@
             </p:txBody>
           </p:sp>
         </mc:Choice>
-        <mc:Fallback>
+        <mc:Fallback xmlns="">
           <p:sp>
             <p:nvSpPr>
               <p:cNvPr id="3" name="Content Placeholder 2"/>
@@ -8958,7 +10531,7 @@
                 <a:ext cx="8382000" cy="3490186"/>
               </a:xfrm>
               <a:blipFill rotWithShape="0">
-                <a:blip r:embed="rId2"/>
+                <a:blip r:embed="rId3"/>
                 <a:stretch>
                   <a:fillRect l="-73" b="-6119"/>
                 </a:stretch>
@@ -8992,6 +10565,13 @@
   <p:transition>
     <p:fade/>
   </p:transition>
+  <p:timing>
+    <p:tnLst>
+      <p:par>
+        <p:cTn id="1" dur="indefinite" restart="never" nodeType="tmRoot"/>
+      </p:par>
+    </p:tnLst>
+  </p:timing>
 </p:sld>
 </file>
 
@@ -9038,8 +10618,8 @@
           </a:p>
         </p:txBody>
       </p:sp>
-      <mc:AlternateContent xmlns:mc="http://schemas.openxmlformats.org/markup-compatibility/2006">
-        <mc:Choice xmlns:a14="http://schemas.microsoft.com/office/drawing/2010/main" Requires="a14">
+      <mc:AlternateContent xmlns:mc="http://schemas.openxmlformats.org/markup-compatibility/2006" xmlns:a14="http://schemas.microsoft.com/office/drawing/2010/main">
+        <mc:Choice Requires="a14">
           <p:sp>
             <p:nvSpPr>
               <p:cNvPr id="3" name="Content Placeholder 2"/>
@@ -9159,7 +10739,7 @@
             </p:txBody>
           </p:sp>
         </mc:Choice>
-        <mc:Fallback>
+        <mc:Fallback xmlns="">
           <p:sp>
             <p:nvSpPr>
               <p:cNvPr id="3" name="Content Placeholder 2"/>
@@ -9176,7 +10756,7 @@
                 <a:ext cx="8382000" cy="4370427"/>
               </a:xfrm>
               <a:blipFill rotWithShape="0">
-                <a:blip r:embed="rId2"/>
+                <a:blip r:embed="rId3"/>
                 <a:stretch>
                   <a:fillRect l="-73" b="-4045"/>
                 </a:stretch>
@@ -9210,6 +10790,13 @@
   <p:transition>
     <p:fade/>
   </p:transition>
+  <p:timing>
+    <p:tnLst>
+      <p:par>
+        <p:cTn id="1" dur="indefinite" restart="never" nodeType="tmRoot"/>
+      </p:par>
+    </p:tnLst>
+  </p:timing>
 </p:sld>
 </file>
 
@@ -9261,8 +10848,8 @@
           </a:p>
         </p:txBody>
       </p:sp>
-      <mc:AlternateContent xmlns:mc="http://schemas.openxmlformats.org/markup-compatibility/2006">
-        <mc:Choice xmlns:a14="http://schemas.microsoft.com/office/drawing/2010/main" Requires="a14">
+      <mc:AlternateContent xmlns:mc="http://schemas.openxmlformats.org/markup-compatibility/2006" xmlns:a14="http://schemas.microsoft.com/office/drawing/2010/main">
+        <mc:Choice Requires="a14">
           <p:sp>
             <p:nvSpPr>
               <p:cNvPr id="3" name="Content Placeholder 2"/>
@@ -9429,7 +11016,7 @@
             </p:txBody>
           </p:sp>
         </mc:Choice>
-        <mc:Fallback>
+        <mc:Fallback xmlns="">
           <p:sp>
             <p:nvSpPr>
               <p:cNvPr id="3" name="Content Placeholder 2"/>
@@ -9446,7 +11033,7 @@
                 <a:ext cx="8382000" cy="4370427"/>
               </a:xfrm>
               <a:blipFill rotWithShape="0">
-                <a:blip r:embed="rId2"/>
+                <a:blip r:embed="rId3"/>
                 <a:stretch>
                   <a:fillRect l="-73" b="-4045"/>
                 </a:stretch>
@@ -9480,6 +11067,13 @@
   <p:transition>
     <p:fade/>
   </p:transition>
+  <p:timing>
+    <p:tnLst>
+      <p:par>
+        <p:cTn id="1" dur="indefinite" restart="never" nodeType="tmRoot"/>
+      </p:par>
+    </p:tnLst>
+  </p:timing>
 </p:sld>
 </file>
 
@@ -9526,8 +11120,8 @@
           </a:p>
         </p:txBody>
       </p:sp>
-      <mc:AlternateContent xmlns:mc="http://schemas.openxmlformats.org/markup-compatibility/2006">
-        <mc:Choice xmlns:a14="http://schemas.microsoft.com/office/drawing/2010/main" Requires="a14">
+      <mc:AlternateContent xmlns:mc="http://schemas.openxmlformats.org/markup-compatibility/2006" xmlns:a14="http://schemas.microsoft.com/office/drawing/2010/main">
+        <mc:Choice Requires="a14">
           <p:sp>
             <p:nvSpPr>
               <p:cNvPr id="3" name="Content Placeholder 2"/>
@@ -9692,7 +11286,7 @@
             </p:txBody>
           </p:sp>
         </mc:Choice>
-        <mc:Fallback>
+        <mc:Fallback xmlns="">
           <p:sp>
             <p:nvSpPr>
               <p:cNvPr id="3" name="Content Placeholder 2"/>
@@ -9709,7 +11303,7 @@
                 <a:ext cx="8382000" cy="4964436"/>
               </a:xfrm>
               <a:blipFill rotWithShape="0">
-                <a:blip r:embed="rId2"/>
+                <a:blip r:embed="rId3"/>
                 <a:stretch>
                   <a:fillRect l="-73" t="-3563" b="-3440"/>
                 </a:stretch>
@@ -9743,6 +11337,13 @@
   <p:transition>
     <p:fade/>
   </p:transition>
+  <p:timing>
+    <p:tnLst>
+      <p:par>
+        <p:cTn id="1" dur="indefinite" restart="never" nodeType="tmRoot"/>
+      </p:par>
+    </p:tnLst>
+  </p:timing>
 </p:sld>
 </file>
 
@@ -9786,8 +11387,8 @@
           </a:p>
         </p:txBody>
       </p:sp>
-      <mc:AlternateContent xmlns:mc="http://schemas.openxmlformats.org/markup-compatibility/2006">
-        <mc:Choice xmlns:a14="http://schemas.microsoft.com/office/drawing/2010/main" Requires="a14">
+      <mc:AlternateContent xmlns:mc="http://schemas.openxmlformats.org/markup-compatibility/2006" xmlns:a14="http://schemas.microsoft.com/office/drawing/2010/main">
+        <mc:Choice Requires="a14">
           <p:sp>
             <p:nvSpPr>
               <p:cNvPr id="3" name="Content Placeholder 2"/>
@@ -9885,7 +11486,7 @@
             </p:txBody>
           </p:sp>
         </mc:Choice>
-        <mc:Fallback>
+        <mc:Fallback xmlns="">
           <p:sp>
             <p:nvSpPr>
               <p:cNvPr id="3" name="Content Placeholder 2"/>
@@ -9902,7 +11503,7 @@
                 <a:ext cx="8382000" cy="1526572"/>
               </a:xfrm>
               <a:blipFill rotWithShape="0">
-                <a:blip r:embed="rId2"/>
+                <a:blip r:embed="rId3"/>
                 <a:stretch>
                   <a:fillRect l="-73" b="-15600"/>
                 </a:stretch>
@@ -9936,6 +11537,13 @@
   <p:transition>
     <p:fade/>
   </p:transition>
+  <p:timing>
+    <p:tnLst>
+      <p:par>
+        <p:cTn id="1" dur="indefinite" restart="never" nodeType="tmRoot"/>
+      </p:par>
+    </p:tnLst>
+  </p:timing>
 </p:sld>
 </file>
 
@@ -10008,22 +11616,14 @@
             </a:br>
             <a:r>
               <a:rPr lang="en-US" dirty="0" smtClean="0"/>
-              <a:t>v</a:t>
-            </a:r>
-            <a:r>
-              <a:rPr lang="en-US" dirty="0" smtClean="0"/>
-              <a:t>s weak consistency</a:t>
+              <a:t>vs weak consistency</a:t>
             </a:r>
             <a:br>
               <a:rPr lang="en-US" dirty="0" smtClean="0"/>
             </a:br>
             <a:r>
               <a:rPr lang="en-US" dirty="0" smtClean="0"/>
-              <a:t>v</a:t>
-            </a:r>
-            <a:r>
-              <a:rPr lang="en-US" dirty="0" smtClean="0"/>
-              <a:t>s eventual consistency</a:t>
+              <a:t>vs eventual consistency</a:t>
             </a:r>
           </a:p>
           <a:p>
@@ -10207,6 +11807,13 @@
   <p:transition>
     <p:fade/>
   </p:transition>
+  <p:timing>
+    <p:tnLst>
+      <p:par>
+        <p:cTn id="1" dur="indefinite" restart="never" nodeType="tmRoot"/>
+      </p:par>
+    </p:tnLst>
+  </p:timing>
 </p:sld>
 </file>
 
@@ -10310,6 +11917,13 @@
   <p:transition>
     <p:fade/>
   </p:transition>
+  <p:timing>
+    <p:tnLst>
+      <p:par>
+        <p:cTn id="1" dur="indefinite" restart="never" nodeType="tmRoot"/>
+      </p:par>
+    </p:tnLst>
+  </p:timing>
 </p:sld>
 </file>
 
@@ -10416,8 +12030,9 @@
             <a:pPr lvl="1"/>
             <a:r>
               <a:rPr lang="en-US" dirty="0" smtClean="0"/>
-              <a:t>Beyond</a:t>
-            </a:r>
+              <a:t>Post-Graduate</a:t>
+            </a:r>
+            <a:endParaRPr lang="en-US" dirty="0" smtClean="0"/>
           </a:p>
           <a:p>
             <a:r>
@@ -10436,7 +12051,7 @@
           <p:nvPr/>
         </p:nvPicPr>
         <p:blipFill>
-          <a:blip r:embed="rId2">
+          <a:blip r:embed="rId3">
             <a:extLst>
               <a:ext uri="{28A0092B-C50C-407E-A947-70E740481C1C}">
                 <a14:useLocalDpi xmlns:a14="http://schemas.microsoft.com/office/drawing/2010/main" val="0"/>
@@ -10613,6 +12228,13 @@
   <p:transition>
     <p:fade/>
   </p:transition>
+  <p:timing>
+    <p:tnLst>
+      <p:par>
+        <p:cTn id="1" dur="indefinite" restart="never" nodeType="tmRoot"/>
+      </p:par>
+    </p:tnLst>
+  </p:timing>
 </p:sld>
 </file>
 
@@ -10703,6 +12325,13 @@
   <p:transition>
     <p:fade/>
   </p:transition>
+  <p:timing>
+    <p:tnLst>
+      <p:par>
+        <p:cTn id="1" dur="indefinite" restart="never" nodeType="tmRoot"/>
+      </p:par>
+    </p:tnLst>
+  </p:timing>
 </p:sld>
 </file>
 
@@ -10807,6 +12436,13 @@
   <p:transition>
     <p:fade/>
   </p:transition>
+  <p:timing>
+    <p:tnLst>
+      <p:par>
+        <p:cTn id="1" dur="indefinite" restart="never" nodeType="tmRoot"/>
+      </p:par>
+    </p:tnLst>
+  </p:timing>
 </p:sld>
 </file>
 
@@ -10881,8 +12517,8 @@
               <a:t>Systems that do not provide monotonic writes are extremely difficult to </a:t>
             </a:r>
             <a:r>
-              <a:rPr lang="en-US" dirty="0" err="1" smtClean="0"/>
-              <a:t>pgoram</a:t>
+              <a:rPr lang="en-US" dirty="0" smtClean="0"/>
+              <a:t>program</a:t>
             </a:r>
             <a:endParaRPr lang="en-US" dirty="0"/>
           </a:p>
@@ -10908,6 +12544,13 @@
   <p:transition>
     <p:fade/>
   </p:transition>
+  <p:timing>
+    <p:tnLst>
+      <p:par>
+        <p:cTn id="1" dur="indefinite" restart="never" nodeType="tmRoot"/>
+      </p:par>
+    </p:tnLst>
+  </p:timing>
 </p:sld>
 </file>
 
@@ -11023,7 +12666,6 @@
               <a:rPr lang="en-US" dirty="0" smtClean="0"/>
               <a:t>Virtually impossible in distributed databases</a:t>
             </a:r>
-            <a:endParaRPr lang="en-US" dirty="0" smtClean="0"/>
           </a:p>
         </p:txBody>
       </p:sp>
@@ -11252,6 +12894,13 @@
   <p:transition>
     <p:fade/>
   </p:transition>
+  <p:timing>
+    <p:tnLst>
+      <p:par>
+        <p:cTn id="1" dur="indefinite" restart="never" nodeType="tmRoot"/>
+      </p:par>
+    </p:tnLst>
+  </p:timing>
 </p:sld>
 </file>
 
@@ -11308,7 +12957,7 @@
         <p:spPr>
           <a:xfrm>
             <a:off x="381000" y="1411552"/>
-            <a:ext cx="8382000" cy="3053144"/>
+            <a:ext cx="8382000" cy="3594830"/>
           </a:xfrm>
         </p:spPr>
         <p:txBody>
@@ -11325,7 +12974,6 @@
               <a:rPr lang="en-US" dirty="0" smtClean="0"/>
               <a:t>Why should I care?</a:t>
             </a:r>
-            <a:endParaRPr lang="en-US" dirty="0" smtClean="0"/>
           </a:p>
           <a:p>
             <a:r>
@@ -11342,7 +12990,17 @@
           <a:p>
             <a:r>
               <a:rPr lang="en-US" dirty="0" smtClean="0"/>
-              <a:t>What about Hadoop?</a:t>
+              <a:t>What about Hadoop</a:t>
+            </a:r>
+            <a:r>
+              <a:rPr lang="en-US" dirty="0" smtClean="0"/>
+              <a:t>?</a:t>
+            </a:r>
+          </a:p>
+          <a:p>
+            <a:r>
+              <a:rPr lang="en-US" dirty="0" smtClean="0"/>
+              <a:t>What about views and indices?</a:t>
             </a:r>
             <a:endParaRPr lang="en-US" dirty="0" smtClean="0"/>
           </a:p>
@@ -11792,15 +13450,7 @@
             </a:r>
             <a:r>
               <a:rPr lang="en-US" dirty="0" smtClean="0"/>
-              <a:t> 7 Second SCN Delay = </a:t>
-            </a:r>
-            <a:r>
-              <a:rPr lang="en-US" dirty="0" smtClean="0"/>
-              <a:t>Eventual </a:t>
-            </a:r>
-            <a:r>
-              <a:rPr lang="en-US" dirty="0" smtClean="0"/>
-              <a:t>Consistency</a:t>
+              <a:t> 7 Second SCN Delay = Eventual Consistency</a:t>
             </a:r>
           </a:p>
           <a:p>
@@ -12095,17 +13745,8 @@
             <a:pPr lvl="1"/>
             <a:r>
               <a:rPr lang="en-US" dirty="0" smtClean="0"/>
-              <a:t>Shared </a:t>
-            </a:r>
-            <a:r>
-              <a:rPr lang="en-US" dirty="0" smtClean="0"/>
-              <a:t>Nothing </a:t>
-            </a:r>
-            <a:r>
-              <a:rPr lang="en-US" dirty="0" smtClean="0"/>
-              <a:t>vs Shared Disk vs Shared Whatever</a:t>
-            </a:r>
-            <a:endParaRPr lang="en-US" dirty="0" smtClean="0"/>
+              <a:t>Shared Nothing vs Shared Disk vs Shared Whatever</a:t>
+            </a:r>
           </a:p>
           <a:p>
             <a:pPr lvl="1"/>
@@ -12374,6 +14015,13 @@
   <p:transition>
     <p:fade/>
   </p:transition>
+  <p:timing>
+    <p:tnLst>
+      <p:par>
+        <p:cTn id="1" dur="indefinite" restart="never" nodeType="tmRoot"/>
+      </p:par>
+    </p:tnLst>
+  </p:timing>
 </p:sld>
 </file>
 

--- a/2015-01_Codemash/The Silver Lining.pptx
+++ b/2015-01_Codemash/The Silver Lining.pptx
@@ -6,7 +6,7 @@
     <p:sldMasterId id="2147483674" r:id="rId3"/>
   </p:sldMasterIdLst>
   <p:notesMasterIdLst>
-    <p:notesMasterId r:id="rId30"/>
+    <p:notesMasterId r:id="rId31"/>
   </p:notesMasterIdLst>
   <p:sldIdLst>
     <p:sldId id="257" r:id="rId4"/>
@@ -35,6 +35,7 @@
     <p:sldId id="275" r:id="rId27"/>
     <p:sldId id="293" r:id="rId28"/>
     <p:sldId id="276" r:id="rId29"/>
+    <p:sldId id="294" r:id="rId30"/>
   </p:sldIdLst>
   <p:sldSz cx="9144000" cy="6858000" type="screen4x3"/>
   <p:notesSz cx="6858000" cy="9144000"/>
@@ -1229,741 +1230,6 @@
       <dsp:cNvGrpSpPr/>
     </dsp:nvGrpSpPr>
     <dsp:grpSpPr/>
-    <dsp:sp modelId="{3E8CB5B0-FE1A-400C-A9E8-23A467BB43BA}">
-      <dsp:nvSpPr>
-        <dsp:cNvPr id="0" name=""/>
-        <dsp:cNvSpPr/>
-      </dsp:nvSpPr>
-      <dsp:spPr>
-        <a:xfrm>
-          <a:off x="3096183" y="869"/>
-          <a:ext cx="2189633" cy="1094816"/>
-        </a:xfrm>
-        <a:prstGeom prst="roundRect">
-          <a:avLst>
-            <a:gd name="adj" fmla="val 10000"/>
-          </a:avLst>
-        </a:prstGeom>
-        <a:gradFill rotWithShape="0">
-          <a:gsLst>
-            <a:gs pos="0">
-              <a:schemeClr val="accent2">
-                <a:hueOff val="0"/>
-                <a:satOff val="0"/>
-                <a:lumOff val="0"/>
-                <a:alphaOff val="0"/>
-                <a:shade val="15000"/>
-                <a:satMod val="180000"/>
-              </a:schemeClr>
-            </a:gs>
-            <a:gs pos="50000">
-              <a:schemeClr val="accent2">
-                <a:hueOff val="0"/>
-                <a:satOff val="0"/>
-                <a:lumOff val="0"/>
-                <a:alphaOff val="0"/>
-                <a:shade val="45000"/>
-                <a:satMod val="170000"/>
-              </a:schemeClr>
-            </a:gs>
-            <a:gs pos="70000">
-              <a:schemeClr val="accent2">
-                <a:hueOff val="0"/>
-                <a:satOff val="0"/>
-                <a:lumOff val="0"/>
-                <a:alphaOff val="0"/>
-                <a:tint val="99000"/>
-                <a:shade val="65000"/>
-                <a:satMod val="155000"/>
-              </a:schemeClr>
-            </a:gs>
-            <a:gs pos="100000">
-              <a:schemeClr val="accent2">
-                <a:hueOff val="0"/>
-                <a:satOff val="0"/>
-                <a:lumOff val="0"/>
-                <a:alphaOff val="0"/>
-                <a:tint val="95500"/>
-                <a:shade val="100000"/>
-                <a:satMod val="155000"/>
-              </a:schemeClr>
-            </a:gs>
-          </a:gsLst>
-          <a:lin ang="16200000" scaled="0"/>
-        </a:gradFill>
-        <a:ln>
-          <a:noFill/>
-        </a:ln>
-        <a:effectLst>
-          <a:outerShdw blurRad="50800" dist="38100" dir="5400000" rotWithShape="0">
-            <a:srgbClr val="000000">
-              <a:alpha val="35000"/>
-            </a:srgbClr>
-          </a:outerShdw>
-        </a:effectLst>
-        <a:scene3d>
-          <a:camera prst="orthographicFront"/>
-          <a:lightRig rig="flat" dir="t"/>
-        </a:scene3d>
-        <a:sp3d prstMaterial="plastic">
-          <a:bevelT w="120900" h="88900"/>
-          <a:bevelB w="88900" h="31750" prst="angle"/>
-        </a:sp3d>
-      </dsp:spPr>
-      <dsp:style>
-        <a:lnRef idx="0">
-          <a:scrgbClr r="0" g="0" b="0"/>
-        </a:lnRef>
-        <a:fillRef idx="3">
-          <a:scrgbClr r="0" g="0" b="0"/>
-        </a:fillRef>
-        <a:effectRef idx="2">
-          <a:scrgbClr r="0" g="0" b="0"/>
-        </a:effectRef>
-        <a:fontRef idx="minor">
-          <a:schemeClr val="lt1"/>
-        </a:fontRef>
-      </dsp:style>
-      <dsp:txBody>
-        <a:bodyPr spcFirstLastPara="0" vert="horz" wrap="square" lIns="110490" tIns="110490" rIns="110490" bIns="110490" numCol="1" spcCol="1270" anchor="ctr" anchorCtr="0">
-          <a:noAutofit/>
-        </a:bodyPr>
-        <a:lstStyle/>
-        <a:p>
-          <a:pPr lvl="0" algn="ctr" defTabSz="1289050">
-            <a:lnSpc>
-              <a:spcPct val="90000"/>
-            </a:lnSpc>
-            <a:spcBef>
-              <a:spcPct val="0"/>
-            </a:spcBef>
-            <a:spcAft>
-              <a:spcPct val="35000"/>
-            </a:spcAft>
-          </a:pPr>
-          <a:r>
-            <a:rPr lang="en-US" sz="2900" kern="1200" dirty="0" smtClean="0"/>
-            <a:t>Consistency</a:t>
-          </a:r>
-          <a:endParaRPr lang="en-US" sz="2900" kern="1200" dirty="0"/>
-        </a:p>
-      </dsp:txBody>
-      <dsp:txXfrm>
-        <a:off x="3128249" y="32935"/>
-        <a:ext cx="2125501" cy="1030684"/>
-      </dsp:txXfrm>
-    </dsp:sp>
-    <dsp:sp modelId="{15493BAD-D3EA-4352-A8EF-2D91AA357A5B}">
-      <dsp:nvSpPr>
-        <dsp:cNvPr id="0" name=""/>
-        <dsp:cNvSpPr/>
-      </dsp:nvSpPr>
-      <dsp:spPr>
-        <a:xfrm rot="3600000">
-          <a:off x="4524830" y="1921370"/>
-          <a:ext cx="1139081" cy="383185"/>
-        </a:xfrm>
-        <a:prstGeom prst="leftRightArrow">
-          <a:avLst>
-            <a:gd name="adj1" fmla="val 60000"/>
-            <a:gd name="adj2" fmla="val 50000"/>
-          </a:avLst>
-        </a:prstGeom>
-        <a:gradFill rotWithShape="0">
-          <a:gsLst>
-            <a:gs pos="0">
-              <a:schemeClr val="accent2">
-                <a:hueOff val="0"/>
-                <a:satOff val="0"/>
-                <a:lumOff val="0"/>
-                <a:alphaOff val="0"/>
-                <a:shade val="15000"/>
-                <a:satMod val="180000"/>
-              </a:schemeClr>
-            </a:gs>
-            <a:gs pos="50000">
-              <a:schemeClr val="accent2">
-                <a:hueOff val="0"/>
-                <a:satOff val="0"/>
-                <a:lumOff val="0"/>
-                <a:alphaOff val="0"/>
-                <a:shade val="45000"/>
-                <a:satMod val="170000"/>
-              </a:schemeClr>
-            </a:gs>
-            <a:gs pos="70000">
-              <a:schemeClr val="accent2">
-                <a:hueOff val="0"/>
-                <a:satOff val="0"/>
-                <a:lumOff val="0"/>
-                <a:alphaOff val="0"/>
-                <a:tint val="99000"/>
-                <a:shade val="65000"/>
-                <a:satMod val="155000"/>
-              </a:schemeClr>
-            </a:gs>
-            <a:gs pos="100000">
-              <a:schemeClr val="accent2">
-                <a:hueOff val="0"/>
-                <a:satOff val="0"/>
-                <a:lumOff val="0"/>
-                <a:alphaOff val="0"/>
-                <a:tint val="95500"/>
-                <a:shade val="100000"/>
-                <a:satMod val="155000"/>
-              </a:schemeClr>
-            </a:gs>
-          </a:gsLst>
-          <a:lin ang="16200000" scaled="0"/>
-        </a:gradFill>
-        <a:ln>
-          <a:noFill/>
-        </a:ln>
-        <a:effectLst>
-          <a:outerShdw blurRad="50800" dist="38100" dir="5400000" rotWithShape="0">
-            <a:srgbClr val="000000">
-              <a:alpha val="35000"/>
-            </a:srgbClr>
-          </a:outerShdw>
-        </a:effectLst>
-        <a:scene3d>
-          <a:camera prst="orthographicFront"/>
-          <a:lightRig rig="flat" dir="t"/>
-        </a:scene3d>
-        <a:sp3d z="-80000" prstMaterial="plastic">
-          <a:bevelT w="50800" h="50800"/>
-          <a:bevelB w="25400" h="25400" prst="angle"/>
-        </a:sp3d>
-      </dsp:spPr>
-      <dsp:style>
-        <a:lnRef idx="0">
-          <a:scrgbClr r="0" g="0" b="0"/>
-        </a:lnRef>
-        <a:fillRef idx="3">
-          <a:scrgbClr r="0" g="0" b="0"/>
-        </a:fillRef>
-        <a:effectRef idx="2">
-          <a:scrgbClr r="0" g="0" b="0"/>
-        </a:effectRef>
-        <a:fontRef idx="minor">
-          <a:schemeClr val="lt1"/>
-        </a:fontRef>
-      </dsp:style>
-      <dsp:txBody>
-        <a:bodyPr spcFirstLastPara="0" vert="horz" wrap="square" lIns="0" tIns="0" rIns="0" bIns="0" numCol="1" spcCol="1270" anchor="ctr" anchorCtr="0">
-          <a:noAutofit/>
-        </a:bodyPr>
-        <a:lstStyle/>
-        <a:p>
-          <a:pPr lvl="0" algn="ctr" defTabSz="711200">
-            <a:lnSpc>
-              <a:spcPct val="90000"/>
-            </a:lnSpc>
-            <a:spcBef>
-              <a:spcPct val="0"/>
-            </a:spcBef>
-            <a:spcAft>
-              <a:spcPct val="35000"/>
-            </a:spcAft>
-          </a:pPr>
-          <a:endParaRPr lang="en-US" sz="1600" kern="1200"/>
-        </a:p>
-      </dsp:txBody>
-      <dsp:txXfrm>
-        <a:off x="4639786" y="1998007"/>
-        <a:ext cx="909170" cy="229911"/>
-      </dsp:txXfrm>
-    </dsp:sp>
-    <dsp:sp modelId="{04A19A99-59A8-45BE-88DF-16CC9AD87510}">
-      <dsp:nvSpPr>
-        <dsp:cNvPr id="0" name=""/>
-        <dsp:cNvSpPr/>
-      </dsp:nvSpPr>
-      <dsp:spPr>
-        <a:xfrm>
-          <a:off x="4902925" y="3130239"/>
-          <a:ext cx="2189633" cy="1094816"/>
-        </a:xfrm>
-        <a:prstGeom prst="roundRect">
-          <a:avLst>
-            <a:gd name="adj" fmla="val 10000"/>
-          </a:avLst>
-        </a:prstGeom>
-        <a:gradFill rotWithShape="0">
-          <a:gsLst>
-            <a:gs pos="0">
-              <a:schemeClr val="accent2">
-                <a:hueOff val="-5825599"/>
-                <a:satOff val="12773"/>
-                <a:lumOff val="-1373"/>
-                <a:alphaOff val="0"/>
-                <a:shade val="15000"/>
-                <a:satMod val="180000"/>
-              </a:schemeClr>
-            </a:gs>
-            <a:gs pos="50000">
-              <a:schemeClr val="accent2">
-                <a:hueOff val="-5825599"/>
-                <a:satOff val="12773"/>
-                <a:lumOff val="-1373"/>
-                <a:alphaOff val="0"/>
-                <a:shade val="45000"/>
-                <a:satMod val="170000"/>
-              </a:schemeClr>
-            </a:gs>
-            <a:gs pos="70000">
-              <a:schemeClr val="accent2">
-                <a:hueOff val="-5825599"/>
-                <a:satOff val="12773"/>
-                <a:lumOff val="-1373"/>
-                <a:alphaOff val="0"/>
-                <a:tint val="99000"/>
-                <a:shade val="65000"/>
-                <a:satMod val="155000"/>
-              </a:schemeClr>
-            </a:gs>
-            <a:gs pos="100000">
-              <a:schemeClr val="accent2">
-                <a:hueOff val="-5825599"/>
-                <a:satOff val="12773"/>
-                <a:lumOff val="-1373"/>
-                <a:alphaOff val="0"/>
-                <a:tint val="95500"/>
-                <a:shade val="100000"/>
-                <a:satMod val="155000"/>
-              </a:schemeClr>
-            </a:gs>
-          </a:gsLst>
-          <a:lin ang="16200000" scaled="0"/>
-        </a:gradFill>
-        <a:ln>
-          <a:noFill/>
-        </a:ln>
-        <a:effectLst>
-          <a:outerShdw blurRad="50800" dist="38100" dir="5400000" rotWithShape="0">
-            <a:srgbClr val="000000">
-              <a:alpha val="35000"/>
-            </a:srgbClr>
-          </a:outerShdw>
-        </a:effectLst>
-        <a:scene3d>
-          <a:camera prst="orthographicFront"/>
-          <a:lightRig rig="flat" dir="t"/>
-        </a:scene3d>
-        <a:sp3d prstMaterial="plastic">
-          <a:bevelT w="120900" h="88900"/>
-          <a:bevelB w="88900" h="31750" prst="angle"/>
-        </a:sp3d>
-      </dsp:spPr>
-      <dsp:style>
-        <a:lnRef idx="0">
-          <a:scrgbClr r="0" g="0" b="0"/>
-        </a:lnRef>
-        <a:fillRef idx="3">
-          <a:scrgbClr r="0" g="0" b="0"/>
-        </a:fillRef>
-        <a:effectRef idx="2">
-          <a:scrgbClr r="0" g="0" b="0"/>
-        </a:effectRef>
-        <a:fontRef idx="minor">
-          <a:schemeClr val="lt1"/>
-        </a:fontRef>
-      </dsp:style>
-      <dsp:txBody>
-        <a:bodyPr spcFirstLastPara="0" vert="horz" wrap="square" lIns="110490" tIns="110490" rIns="110490" bIns="110490" numCol="1" spcCol="1270" anchor="ctr" anchorCtr="0">
-          <a:noAutofit/>
-        </a:bodyPr>
-        <a:lstStyle/>
-        <a:p>
-          <a:pPr lvl="0" algn="ctr" defTabSz="1289050">
-            <a:lnSpc>
-              <a:spcPct val="90000"/>
-            </a:lnSpc>
-            <a:spcBef>
-              <a:spcPct val="0"/>
-            </a:spcBef>
-            <a:spcAft>
-              <a:spcPct val="35000"/>
-            </a:spcAft>
-          </a:pPr>
-          <a:r>
-            <a:rPr lang="en-US" sz="2900" kern="1200" dirty="0" smtClean="0"/>
-            <a:t>Availability</a:t>
-          </a:r>
-          <a:endParaRPr lang="en-US" sz="2900" kern="1200" dirty="0"/>
-        </a:p>
-      </dsp:txBody>
-      <dsp:txXfrm>
-        <a:off x="4934991" y="3162305"/>
-        <a:ext cx="2125501" cy="1030684"/>
-      </dsp:txXfrm>
-    </dsp:sp>
-    <dsp:sp modelId="{4259277E-72C2-4771-A86F-C4FF91EFAF04}">
-      <dsp:nvSpPr>
-        <dsp:cNvPr id="0" name=""/>
-        <dsp:cNvSpPr/>
-      </dsp:nvSpPr>
-      <dsp:spPr>
-        <a:xfrm rot="10800000">
-          <a:off x="3621459" y="3486055"/>
-          <a:ext cx="1139081" cy="383185"/>
-        </a:xfrm>
-        <a:prstGeom prst="leftRightArrow">
-          <a:avLst>
-            <a:gd name="adj1" fmla="val 60000"/>
-            <a:gd name="adj2" fmla="val 50000"/>
-          </a:avLst>
-        </a:prstGeom>
-        <a:gradFill rotWithShape="0">
-          <a:gsLst>
-            <a:gs pos="0">
-              <a:schemeClr val="accent2">
-                <a:hueOff val="-5825599"/>
-                <a:satOff val="12773"/>
-                <a:lumOff val="-1373"/>
-                <a:alphaOff val="0"/>
-                <a:shade val="15000"/>
-                <a:satMod val="180000"/>
-              </a:schemeClr>
-            </a:gs>
-            <a:gs pos="50000">
-              <a:schemeClr val="accent2">
-                <a:hueOff val="-5825599"/>
-                <a:satOff val="12773"/>
-                <a:lumOff val="-1373"/>
-                <a:alphaOff val="0"/>
-                <a:shade val="45000"/>
-                <a:satMod val="170000"/>
-              </a:schemeClr>
-            </a:gs>
-            <a:gs pos="70000">
-              <a:schemeClr val="accent2">
-                <a:hueOff val="-5825599"/>
-                <a:satOff val="12773"/>
-                <a:lumOff val="-1373"/>
-                <a:alphaOff val="0"/>
-                <a:tint val="99000"/>
-                <a:shade val="65000"/>
-                <a:satMod val="155000"/>
-              </a:schemeClr>
-            </a:gs>
-            <a:gs pos="100000">
-              <a:schemeClr val="accent2">
-                <a:hueOff val="-5825599"/>
-                <a:satOff val="12773"/>
-                <a:lumOff val="-1373"/>
-                <a:alphaOff val="0"/>
-                <a:tint val="95500"/>
-                <a:shade val="100000"/>
-                <a:satMod val="155000"/>
-              </a:schemeClr>
-            </a:gs>
-          </a:gsLst>
-          <a:lin ang="16200000" scaled="0"/>
-        </a:gradFill>
-        <a:ln>
-          <a:noFill/>
-        </a:ln>
-        <a:effectLst>
-          <a:outerShdw blurRad="50800" dist="38100" dir="5400000" rotWithShape="0">
-            <a:srgbClr val="000000">
-              <a:alpha val="35000"/>
-            </a:srgbClr>
-          </a:outerShdw>
-        </a:effectLst>
-        <a:scene3d>
-          <a:camera prst="orthographicFront"/>
-          <a:lightRig rig="flat" dir="t"/>
-        </a:scene3d>
-        <a:sp3d z="-80000" prstMaterial="plastic">
-          <a:bevelT w="50800" h="50800"/>
-          <a:bevelB w="25400" h="25400" prst="angle"/>
-        </a:sp3d>
-      </dsp:spPr>
-      <dsp:style>
-        <a:lnRef idx="0">
-          <a:scrgbClr r="0" g="0" b="0"/>
-        </a:lnRef>
-        <a:fillRef idx="3">
-          <a:scrgbClr r="0" g="0" b="0"/>
-        </a:fillRef>
-        <a:effectRef idx="2">
-          <a:scrgbClr r="0" g="0" b="0"/>
-        </a:effectRef>
-        <a:fontRef idx="minor">
-          <a:schemeClr val="lt1"/>
-        </a:fontRef>
-      </dsp:style>
-      <dsp:txBody>
-        <a:bodyPr spcFirstLastPara="0" vert="horz" wrap="square" lIns="0" tIns="0" rIns="0" bIns="0" numCol="1" spcCol="1270" anchor="ctr" anchorCtr="0">
-          <a:noAutofit/>
-        </a:bodyPr>
-        <a:lstStyle/>
-        <a:p>
-          <a:pPr lvl="0" algn="ctr" defTabSz="711200">
-            <a:lnSpc>
-              <a:spcPct val="90000"/>
-            </a:lnSpc>
-            <a:spcBef>
-              <a:spcPct val="0"/>
-            </a:spcBef>
-            <a:spcAft>
-              <a:spcPct val="35000"/>
-            </a:spcAft>
-          </a:pPr>
-          <a:endParaRPr lang="en-US" sz="1600" kern="1200"/>
-        </a:p>
-      </dsp:txBody>
-      <dsp:txXfrm rot="10800000">
-        <a:off x="3736414" y="3562692"/>
-        <a:ext cx="909170" cy="229911"/>
-      </dsp:txXfrm>
-    </dsp:sp>
-    <dsp:sp modelId="{AE695A81-C902-4843-A89F-35B3E9A9D923}">
-      <dsp:nvSpPr>
-        <dsp:cNvPr id="0" name=""/>
-        <dsp:cNvSpPr/>
-      </dsp:nvSpPr>
-      <dsp:spPr>
-        <a:xfrm>
-          <a:off x="1289440" y="3130239"/>
-          <a:ext cx="2189633" cy="1094816"/>
-        </a:xfrm>
-        <a:prstGeom prst="roundRect">
-          <a:avLst>
-            <a:gd name="adj" fmla="val 10000"/>
-          </a:avLst>
-        </a:prstGeom>
-        <a:gradFill rotWithShape="0">
-          <a:gsLst>
-            <a:gs pos="0">
-              <a:schemeClr val="accent2">
-                <a:hueOff val="-11651198"/>
-                <a:satOff val="25545"/>
-                <a:lumOff val="-2745"/>
-                <a:alphaOff val="0"/>
-                <a:shade val="15000"/>
-                <a:satMod val="180000"/>
-              </a:schemeClr>
-            </a:gs>
-            <a:gs pos="50000">
-              <a:schemeClr val="accent2">
-                <a:hueOff val="-11651198"/>
-                <a:satOff val="25545"/>
-                <a:lumOff val="-2745"/>
-                <a:alphaOff val="0"/>
-                <a:shade val="45000"/>
-                <a:satMod val="170000"/>
-              </a:schemeClr>
-            </a:gs>
-            <a:gs pos="70000">
-              <a:schemeClr val="accent2">
-                <a:hueOff val="-11651198"/>
-                <a:satOff val="25545"/>
-                <a:lumOff val="-2745"/>
-                <a:alphaOff val="0"/>
-                <a:tint val="99000"/>
-                <a:shade val="65000"/>
-                <a:satMod val="155000"/>
-              </a:schemeClr>
-            </a:gs>
-            <a:gs pos="100000">
-              <a:schemeClr val="accent2">
-                <a:hueOff val="-11651198"/>
-                <a:satOff val="25545"/>
-                <a:lumOff val="-2745"/>
-                <a:alphaOff val="0"/>
-                <a:tint val="95500"/>
-                <a:shade val="100000"/>
-                <a:satMod val="155000"/>
-              </a:schemeClr>
-            </a:gs>
-          </a:gsLst>
-          <a:lin ang="16200000" scaled="0"/>
-        </a:gradFill>
-        <a:ln>
-          <a:noFill/>
-        </a:ln>
-        <a:effectLst>
-          <a:outerShdw blurRad="50800" dist="38100" dir="5400000" rotWithShape="0">
-            <a:srgbClr val="000000">
-              <a:alpha val="35000"/>
-            </a:srgbClr>
-          </a:outerShdw>
-        </a:effectLst>
-        <a:scene3d>
-          <a:camera prst="orthographicFront"/>
-          <a:lightRig rig="flat" dir="t"/>
-        </a:scene3d>
-        <a:sp3d prstMaterial="plastic">
-          <a:bevelT w="120900" h="88900"/>
-          <a:bevelB w="88900" h="31750" prst="angle"/>
-        </a:sp3d>
-      </dsp:spPr>
-      <dsp:style>
-        <a:lnRef idx="0">
-          <a:scrgbClr r="0" g="0" b="0"/>
-        </a:lnRef>
-        <a:fillRef idx="3">
-          <a:scrgbClr r="0" g="0" b="0"/>
-        </a:fillRef>
-        <a:effectRef idx="2">
-          <a:scrgbClr r="0" g="0" b="0"/>
-        </a:effectRef>
-        <a:fontRef idx="minor">
-          <a:schemeClr val="lt1"/>
-        </a:fontRef>
-      </dsp:style>
-      <dsp:txBody>
-        <a:bodyPr spcFirstLastPara="0" vert="horz" wrap="square" lIns="110490" tIns="110490" rIns="110490" bIns="110490" numCol="1" spcCol="1270" anchor="ctr" anchorCtr="0">
-          <a:noAutofit/>
-        </a:bodyPr>
-        <a:lstStyle/>
-        <a:p>
-          <a:pPr lvl="0" algn="ctr" defTabSz="1289050">
-            <a:lnSpc>
-              <a:spcPct val="90000"/>
-            </a:lnSpc>
-            <a:spcBef>
-              <a:spcPct val="0"/>
-            </a:spcBef>
-            <a:spcAft>
-              <a:spcPct val="35000"/>
-            </a:spcAft>
-          </a:pPr>
-          <a:r>
-            <a:rPr lang="en-US" sz="2900" kern="1200" dirty="0" smtClean="0"/>
-            <a:t>Partition Tolerance</a:t>
-          </a:r>
-          <a:endParaRPr lang="en-US" sz="2900" kern="1200" dirty="0"/>
-        </a:p>
-      </dsp:txBody>
-      <dsp:txXfrm>
-        <a:off x="1321506" y="3162305"/>
-        <a:ext cx="2125501" cy="1030684"/>
-      </dsp:txXfrm>
-    </dsp:sp>
-    <dsp:sp modelId="{B0C8917E-31EE-4578-916D-B6AB317E0106}">
-      <dsp:nvSpPr>
-        <dsp:cNvPr id="0" name=""/>
-        <dsp:cNvSpPr/>
-      </dsp:nvSpPr>
-      <dsp:spPr>
-        <a:xfrm rot="18000000">
-          <a:off x="2718087" y="1921370"/>
-          <a:ext cx="1139081" cy="383185"/>
-        </a:xfrm>
-        <a:prstGeom prst="leftRightArrow">
-          <a:avLst>
-            <a:gd name="adj1" fmla="val 60000"/>
-            <a:gd name="adj2" fmla="val 50000"/>
-          </a:avLst>
-        </a:prstGeom>
-        <a:gradFill rotWithShape="0">
-          <a:gsLst>
-            <a:gs pos="0">
-              <a:schemeClr val="accent2">
-                <a:hueOff val="-11651198"/>
-                <a:satOff val="25545"/>
-                <a:lumOff val="-2745"/>
-                <a:alphaOff val="0"/>
-                <a:shade val="15000"/>
-                <a:satMod val="180000"/>
-              </a:schemeClr>
-            </a:gs>
-            <a:gs pos="50000">
-              <a:schemeClr val="accent2">
-                <a:hueOff val="-11651198"/>
-                <a:satOff val="25545"/>
-                <a:lumOff val="-2745"/>
-                <a:alphaOff val="0"/>
-                <a:shade val="45000"/>
-                <a:satMod val="170000"/>
-              </a:schemeClr>
-            </a:gs>
-            <a:gs pos="70000">
-              <a:schemeClr val="accent2">
-                <a:hueOff val="-11651198"/>
-                <a:satOff val="25545"/>
-                <a:lumOff val="-2745"/>
-                <a:alphaOff val="0"/>
-                <a:tint val="99000"/>
-                <a:shade val="65000"/>
-                <a:satMod val="155000"/>
-              </a:schemeClr>
-            </a:gs>
-            <a:gs pos="100000">
-              <a:schemeClr val="accent2">
-                <a:hueOff val="-11651198"/>
-                <a:satOff val="25545"/>
-                <a:lumOff val="-2745"/>
-                <a:alphaOff val="0"/>
-                <a:tint val="95500"/>
-                <a:shade val="100000"/>
-                <a:satMod val="155000"/>
-              </a:schemeClr>
-            </a:gs>
-          </a:gsLst>
-          <a:lin ang="16200000" scaled="0"/>
-        </a:gradFill>
-        <a:ln>
-          <a:noFill/>
-        </a:ln>
-        <a:effectLst>
-          <a:outerShdw blurRad="50800" dist="38100" dir="5400000" rotWithShape="0">
-            <a:srgbClr val="000000">
-              <a:alpha val="35000"/>
-            </a:srgbClr>
-          </a:outerShdw>
-        </a:effectLst>
-        <a:scene3d>
-          <a:camera prst="orthographicFront"/>
-          <a:lightRig rig="flat" dir="t"/>
-        </a:scene3d>
-        <a:sp3d z="-80000" prstMaterial="plastic">
-          <a:bevelT w="50800" h="50800"/>
-          <a:bevelB w="25400" h="25400" prst="angle"/>
-        </a:sp3d>
-      </dsp:spPr>
-      <dsp:style>
-        <a:lnRef idx="0">
-          <a:scrgbClr r="0" g="0" b="0"/>
-        </a:lnRef>
-        <a:fillRef idx="3">
-          <a:scrgbClr r="0" g="0" b="0"/>
-        </a:fillRef>
-        <a:effectRef idx="2">
-          <a:scrgbClr r="0" g="0" b="0"/>
-        </a:effectRef>
-        <a:fontRef idx="minor">
-          <a:schemeClr val="lt1"/>
-        </a:fontRef>
-      </dsp:style>
-      <dsp:txBody>
-        <a:bodyPr spcFirstLastPara="0" vert="horz" wrap="square" lIns="0" tIns="0" rIns="0" bIns="0" numCol="1" spcCol="1270" anchor="ctr" anchorCtr="0">
-          <a:noAutofit/>
-        </a:bodyPr>
-        <a:lstStyle/>
-        <a:p>
-          <a:pPr lvl="0" algn="ctr" defTabSz="711200">
-            <a:lnSpc>
-              <a:spcPct val="90000"/>
-            </a:lnSpc>
-            <a:spcBef>
-              <a:spcPct val="0"/>
-            </a:spcBef>
-            <a:spcAft>
-              <a:spcPct val="35000"/>
-            </a:spcAft>
-          </a:pPr>
-          <a:endParaRPr lang="en-US" sz="1600" kern="1200"/>
-        </a:p>
-      </dsp:txBody>
-      <dsp:txXfrm>
-        <a:off x="2833043" y="1998007"/>
-        <a:ext cx="909170" cy="229911"/>
-      </dsp:txXfrm>
-    </dsp:sp>
   </dsp:spTree>
 </dsp:drawing>
 </file>
@@ -3716,7 +2982,7 @@
             <a:fld id="{81331B57-0BE5-4F82-AA58-76F53EFF3ADA}" type="datetime8">
               <a:rPr lang="en-US" smtClean="0"/>
               <a:pPr/>
-              <a:t>1/8/2015 8:24 AM</a:t>
+              <a:t>1/8/2015 11:21 AM</a:t>
             </a:fld>
             <a:endParaRPr lang="en-US" dirty="0"/>
           </a:p>
@@ -3883,11 +3149,7 @@
             </a:pPr>
             <a:r>
               <a:rPr lang="en-US" dirty="0" smtClean="0"/>
-              <a:t>W </a:t>
-            </a:r>
-            <a:r>
-              <a:rPr lang="en-US" dirty="0" smtClean="0"/>
-              <a:t>= Nodes Written</a:t>
+              <a:t>W = Nodes Written</a:t>
             </a:r>
           </a:p>
           <a:p>
@@ -4612,19 +3874,7 @@
                 <a:ea typeface="+mn-ea"/>
                 <a:cs typeface="+mn-cs"/>
               </a:rPr>
-              <a:t>Strong </a:t>
-            </a:r>
-            <a:r>
-              <a:rPr lang="en-US" sz="1200" b="0" i="0" kern="1200" dirty="0" smtClean="0">
-                <a:solidFill>
-                  <a:schemeClr val="tx1"/>
-                </a:solidFill>
-                <a:effectLst/>
-                <a:latin typeface="+mn-lt"/>
-                <a:ea typeface="+mn-ea"/>
-                <a:cs typeface="+mn-cs"/>
-              </a:rPr>
-              <a:t>Consistency: After an update, any subsequent access on any node will return the same value</a:t>
+              <a:t>Strong Consistency: After an update, any subsequent access on any node will return the same value</a:t>
             </a:r>
           </a:p>
           <a:p>
@@ -5394,7 +4644,6 @@
               <a:rPr lang="en-US" dirty="0" smtClean="0"/>
               <a:t>Isolation</a:t>
             </a:r>
-            <a:endParaRPr lang="en-US" dirty="0" smtClean="0"/>
           </a:p>
           <a:p>
             <a:pPr marL="628650" lvl="1" indent="-171450">
@@ -5407,13 +4656,8 @@
             </a:r>
             <a:r>
               <a:rPr lang="en-US" baseline="0" dirty="0" smtClean="0"/>
-              <a:t> </a:t>
-            </a:r>
-            <a:r>
-              <a:rPr lang="en-US" baseline="0" dirty="0" smtClean="0"/>
-              <a:t>Uncommitted – Allows dirty reads, you can see uncommitted data</a:t>
-            </a:r>
-            <a:endParaRPr lang="en-US" baseline="0" dirty="0" smtClean="0"/>
+              <a:t> Uncommitted – Allows dirty reads, you can see uncommitted data</a:t>
+            </a:r>
           </a:p>
           <a:p>
             <a:pPr marL="628650" lvl="1" indent="-171450">
@@ -5424,7 +4668,6 @@
               <a:rPr lang="en-US" baseline="0" dirty="0" smtClean="0"/>
               <a:t>Read Committed – Ensures that data is committed before reading, or a select operation is made within the transaction</a:t>
             </a:r>
-            <a:endParaRPr lang="en-US" baseline="0" dirty="0" smtClean="0"/>
           </a:p>
           <a:p>
             <a:pPr marL="628650" lvl="1" indent="-171450">
@@ -5433,13 +4676,8 @@
             </a:pPr>
             <a:r>
               <a:rPr lang="en-US" baseline="0" dirty="0" smtClean="0"/>
-              <a:t>Repeatable </a:t>
-            </a:r>
-            <a:r>
-              <a:rPr lang="en-US" baseline="0" dirty="0" smtClean="0"/>
-              <a:t>Read – Like read committed, except a select won’t release the lock</a:t>
-            </a:r>
-            <a:endParaRPr lang="en-US" baseline="0" dirty="0" smtClean="0"/>
+              <a:t>Repeatable Read – Like read committed, except a select won’t release the lock</a:t>
+            </a:r>
           </a:p>
           <a:p>
             <a:pPr marL="628650" lvl="1" indent="-171450">
@@ -5450,7 +4688,6 @@
               <a:rPr lang="en-US" baseline="0" dirty="0" smtClean="0"/>
               <a:t>Serializable – Does not allow any other reads or writes during a transaction (blocks, or serializes)</a:t>
             </a:r>
-            <a:endParaRPr lang="en-US" baseline="0" dirty="0" smtClean="0"/>
           </a:p>
           <a:p>
             <a:pPr marL="171450" lvl="0" indent="-171450">
@@ -5753,11 +4990,7 @@
             </a:r>
             <a:r>
               <a:rPr lang="en-US" baseline="0" dirty="0" smtClean="0"/>
-              <a:t> </a:t>
-            </a:r>
-            <a:r>
-              <a:rPr lang="en-US" baseline="0" dirty="0" smtClean="0"/>
-              <a:t>about:</a:t>
+              <a:t> about:</a:t>
             </a:r>
           </a:p>
           <a:p>
@@ -6109,11 +5342,7 @@
             </a:pPr>
             <a:r>
               <a:rPr lang="en-US" dirty="0" smtClean="0"/>
-              <a:t>A </a:t>
-            </a:r>
-            <a:r>
-              <a:rPr lang="en-US" dirty="0" smtClean="0"/>
-              <a:t>database</a:t>
+              <a:t>A database</a:t>
             </a:r>
             <a:r>
               <a:rPr lang="en-US" baseline="0" dirty="0" smtClean="0"/>
@@ -6263,11 +5492,7 @@
             </a:pPr>
             <a:r>
               <a:rPr lang="en-US" dirty="0" smtClean="0"/>
-              <a:t>Web </a:t>
-            </a:r>
-            <a:r>
-              <a:rPr lang="en-US" dirty="0" smtClean="0"/>
-              <a:t>scale</a:t>
+              <a:t>Web scale</a:t>
             </a:r>
           </a:p>
           <a:p>
@@ -6421,7 +5646,6 @@
               <a:rPr lang="en-US" dirty="0" smtClean="0"/>
               <a:t>CAP</a:t>
             </a:r>
-            <a:endParaRPr lang="en-US" dirty="0" smtClean="0"/>
           </a:p>
           <a:p>
             <a:pPr marL="628650" lvl="1" indent="-171450">
@@ -6589,7 +5813,6 @@
               <a:rPr lang="en-US" b="0" dirty="0" smtClean="0"/>
               <a:t>ACID</a:t>
             </a:r>
-            <a:endParaRPr lang="en-US" b="0" dirty="0" smtClean="0"/>
           </a:p>
           <a:p>
             <a:pPr marL="171450" indent="-171450">
@@ -12032,7 +11255,6 @@
               <a:rPr lang="en-US" dirty="0" smtClean="0"/>
               <a:t>Post-Graduate</a:t>
             </a:r>
-            <a:endParaRPr lang="en-US" dirty="0" smtClean="0"/>
           </a:p>
           <a:p>
             <a:r>
@@ -12514,11 +11736,7 @@
           <a:p>
             <a:r>
               <a:rPr lang="en-US" dirty="0" smtClean="0"/>
-              <a:t>Systems that do not provide monotonic writes are extremely difficult to </a:t>
-            </a:r>
-            <a:r>
-              <a:rPr lang="en-US" dirty="0" smtClean="0"/>
-              <a:t>program</a:t>
+              <a:t>Systems that do not provide monotonic writes are extremely difficult to program</a:t>
             </a:r>
             <a:endParaRPr lang="en-US" dirty="0"/>
           </a:p>
@@ -12990,11 +12208,7 @@
           <a:p>
             <a:r>
               <a:rPr lang="en-US" dirty="0" smtClean="0"/>
-              <a:t>What about Hadoop</a:t>
-            </a:r>
-            <a:r>
-              <a:rPr lang="en-US" dirty="0" smtClean="0"/>
-              <a:t>?</a:t>
+              <a:t>What about Hadoop?</a:t>
             </a:r>
           </a:p>
           <a:p>
@@ -13002,7 +12216,6 @@
               <a:rPr lang="en-US" dirty="0" smtClean="0"/>
               <a:t>What about views and indices?</a:t>
             </a:r>
-            <a:endParaRPr lang="en-US" dirty="0" smtClean="0"/>
           </a:p>
         </p:txBody>
       </p:sp>
@@ -13026,6 +12239,149 @@
       </p:par>
     </p:tnLst>
   </p:timing>
+</p:sld>
+</file>
+
+<file path=ppt/slides/slide27.xml><?xml version="1.0" encoding="utf-8"?>
+<p:sld xmlns:a="http://schemas.openxmlformats.org/drawingml/2006/main" xmlns:r="http://schemas.openxmlformats.org/officeDocument/2006/relationships" xmlns:p="http://schemas.openxmlformats.org/presentationml/2006/main">
+  <p:cSld>
+    <p:spTree>
+      <p:nvGrpSpPr>
+        <p:cNvPr id="1" name=""/>
+        <p:cNvGrpSpPr/>
+        <p:nvPr/>
+      </p:nvGrpSpPr>
+      <p:grpSpPr>
+        <a:xfrm>
+          <a:off x="0" y="0"/>
+          <a:ext cx="0" cy="0"/>
+          <a:chOff x="0" y="0"/>
+          <a:chExt cx="0" cy="0"/>
+        </a:xfrm>
+      </p:grpSpPr>
+      <p:sp>
+        <p:nvSpPr>
+          <p:cNvPr id="2" name="Title 1"/>
+          <p:cNvSpPr>
+            <a:spLocks noGrp="1"/>
+          </p:cNvSpPr>
+          <p:nvPr>
+            <p:ph type="title"/>
+          </p:nvPr>
+        </p:nvSpPr>
+        <p:spPr/>
+        <p:txBody>
+          <a:bodyPr/>
+          <a:lstStyle/>
+          <a:p>
+            <a:r>
+              <a:rPr lang="en-US" dirty="0" smtClean="0"/>
+              <a:t>The Slides</a:t>
+            </a:r>
+            <a:endParaRPr lang="en-US" dirty="0"/>
+          </a:p>
+        </p:txBody>
+      </p:sp>
+      <p:sp>
+        <p:nvSpPr>
+          <p:cNvPr id="3" name="Text Placeholder 2"/>
+          <p:cNvSpPr>
+            <a:spLocks noGrp="1"/>
+          </p:cNvSpPr>
+          <p:nvPr>
+            <p:ph type="body" sz="quarter" idx="10"/>
+          </p:nvPr>
+        </p:nvSpPr>
+        <p:spPr>
+          <a:xfrm>
+            <a:off x="381000" y="1411552"/>
+            <a:ext cx="8382000" cy="1526572"/>
+          </a:xfrm>
+        </p:spPr>
+        <p:txBody>
+          <a:bodyPr/>
+          <a:lstStyle/>
+          <a:p>
+            <a:pPr marL="0" indent="0">
+              <a:buNone/>
+            </a:pPr>
+            <a:r>
+              <a:rPr lang="en-US" dirty="0">
+                <a:hlinkClick r:id="rId2"/>
+              </a:rPr>
+              <a:t>https://</a:t>
+            </a:r>
+            <a:r>
+              <a:rPr lang="en-US" dirty="0" smtClean="0">
+                <a:hlinkClick r:id="rId2"/>
+              </a:rPr>
+              <a:t>github.com/WalkingDisaster/Sessions</a:t>
+            </a:r>
+            <a:endParaRPr lang="en-US" dirty="0" smtClean="0"/>
+          </a:p>
+          <a:p>
+            <a:pPr marL="0" indent="0">
+              <a:buNone/>
+            </a:pPr>
+            <a:r>
+              <a:rPr lang="en-US" dirty="0" smtClean="0">
+                <a:hlinkClick r:id="rId3"/>
+              </a:rPr>
+              <a:t>goo.gl/V2zdPQ</a:t>
+            </a:r>
+            <a:endParaRPr lang="en-US" dirty="0" smtClean="0"/>
+          </a:p>
+          <a:p>
+            <a:pPr marL="0" indent="0">
+              <a:buNone/>
+            </a:pPr>
+            <a:endParaRPr lang="en-US" dirty="0"/>
+          </a:p>
+        </p:txBody>
+      </p:sp>
+      <p:pic>
+        <p:nvPicPr>
+          <p:cNvPr id="4" name="Picture 3"/>
+          <p:cNvPicPr>
+            <a:picLocks noChangeAspect="1"/>
+          </p:cNvPicPr>
+          <p:nvPr/>
+        </p:nvPicPr>
+        <p:blipFill>
+          <a:blip r:embed="rId4">
+            <a:extLst>
+              <a:ext uri="{28A0092B-C50C-407E-A947-70E740481C1C}">
+                <a14:useLocalDpi xmlns:a14="http://schemas.microsoft.com/office/drawing/2010/main" val="0"/>
+              </a:ext>
+            </a:extLst>
+          </a:blip>
+          <a:stretch>
+            <a:fillRect/>
+          </a:stretch>
+        </p:blipFill>
+        <p:spPr>
+          <a:xfrm>
+            <a:off x="2590800" y="2514600"/>
+            <a:ext cx="3962400" cy="3962400"/>
+          </a:xfrm>
+          <a:prstGeom prst="rect">
+            <a:avLst/>
+          </a:prstGeom>
+        </p:spPr>
+      </p:pic>
+    </p:spTree>
+    <p:extLst>
+      <p:ext uri="{BB962C8B-B14F-4D97-AF65-F5344CB8AC3E}">
+        <p14:creationId xmlns:p14="http://schemas.microsoft.com/office/powerpoint/2010/main" val="2870992150"/>
+      </p:ext>
+    </p:extLst>
+  </p:cSld>
+  <p:clrMapOvr>
+    <a:masterClrMapping/>
+  </p:clrMapOvr>
+  <p:transition>
+    <p:fade/>
+  </p:transition>
 </p:sld>
 </file>
 
